--- a/Project/slides/XYZ.pptx
+++ b/Project/slides/XYZ.pptx
@@ -5,7 +5,7 @@
     <p:sldMasterId id="2147483708" r:id="rId1"/>
   </p:sldMasterIdLst>
   <p:notesMasterIdLst>
-    <p:notesMasterId r:id="rId7"/>
+    <p:notesMasterId r:id="rId8"/>
   </p:notesMasterIdLst>
   <p:sldIdLst>
     <p:sldId id="257" r:id="rId2"/>
@@ -13,6 +13,7 @@
     <p:sldId id="403" r:id="rId4"/>
     <p:sldId id="404" r:id="rId5"/>
     <p:sldId id="405" r:id="rId6"/>
+    <p:sldId id="406" r:id="rId7"/>
   </p:sldIdLst>
   <p:sldSz cx="12192000" cy="6858000"/>
   <p:notesSz cx="6881813" cy="9296400"/>
@@ -872,10 +873,7 @@
           <a:bodyPr/>
           <a:lstStyle/>
           <a:p>
-            <a:r>
-              <a:rPr lang="en-US" i="0" dirty="0"/>
-              <a:t>Our hypothesis the </a:t>
-            </a:r>
+            <a:endParaRPr lang="en-US" i="0" dirty="0"/>
           </a:p>
         </p:txBody>
       </p:sp>
@@ -905,7 +903,7 @@
     </p:spTree>
     <p:extLst>
       <p:ext uri="{BB962C8B-B14F-4D97-AF65-F5344CB8AC3E}">
-        <p14:creationId xmlns:p14="http://schemas.microsoft.com/office/powerpoint/2010/main" val="3179310127"/>
+        <p14:creationId xmlns:p14="http://schemas.microsoft.com/office/powerpoint/2010/main" val="3913388032"/>
       </p:ext>
     </p:extLst>
   </p:cSld>
@@ -993,6 +991,90 @@
     <p:extLst>
       <p:ext uri="{BB962C8B-B14F-4D97-AF65-F5344CB8AC3E}">
         <p14:creationId xmlns:p14="http://schemas.microsoft.com/office/powerpoint/2010/main" val="965110510"/>
+      </p:ext>
+    </p:extLst>
+  </p:cSld>
+  <p:clrMapOvr>
+    <a:masterClrMapping/>
+  </p:clrMapOvr>
+</p:notes>
+</file>
+
+<file path=ppt/notesSlides/notesSlide6.xml><?xml version="1.0" encoding="utf-8"?>
+<p:notes xmlns:a="http://schemas.openxmlformats.org/drawingml/2006/main" xmlns:r="http://schemas.openxmlformats.org/officeDocument/2006/relationships" xmlns:p="http://schemas.openxmlformats.org/presentationml/2006/main">
+  <p:cSld>
+    <p:spTree>
+      <p:nvGrpSpPr>
+        <p:cNvPr id="1" name=""/>
+        <p:cNvGrpSpPr/>
+        <p:nvPr/>
+      </p:nvGrpSpPr>
+      <p:grpSpPr>
+        <a:xfrm>
+          <a:off x="0" y="0"/>
+          <a:ext cx="0" cy="0"/>
+          <a:chOff x="0" y="0"/>
+          <a:chExt cx="0" cy="0"/>
+        </a:xfrm>
+      </p:grpSpPr>
+      <p:sp>
+        <p:nvSpPr>
+          <p:cNvPr id="2" name="Slide Image Placeholder 1"/>
+          <p:cNvSpPr>
+            <a:spLocks noGrp="1" noRot="1" noChangeAspect="1"/>
+          </p:cNvSpPr>
+          <p:nvPr>
+            <p:ph type="sldImg"/>
+          </p:nvPr>
+        </p:nvSpPr>
+        <p:spPr/>
+      </p:sp>
+      <p:sp>
+        <p:nvSpPr>
+          <p:cNvPr id="3" name="Notes Placeholder 2"/>
+          <p:cNvSpPr>
+            <a:spLocks noGrp="1"/>
+          </p:cNvSpPr>
+          <p:nvPr>
+            <p:ph type="body" idx="1"/>
+          </p:nvPr>
+        </p:nvSpPr>
+        <p:spPr/>
+        <p:txBody>
+          <a:bodyPr/>
+          <a:lstStyle/>
+          <a:p>
+            <a:endParaRPr lang="en-US" i="0" dirty="0"/>
+          </a:p>
+        </p:txBody>
+      </p:sp>
+      <p:sp>
+        <p:nvSpPr>
+          <p:cNvPr id="4" name="Slide Number Placeholder 3"/>
+          <p:cNvSpPr>
+            <a:spLocks noGrp="1"/>
+          </p:cNvSpPr>
+          <p:nvPr>
+            <p:ph type="sldNum" sz="quarter" idx="10"/>
+          </p:nvPr>
+        </p:nvSpPr>
+        <p:spPr/>
+        <p:txBody>
+          <a:bodyPr/>
+          <a:lstStyle/>
+          <a:p>
+            <a:fld id="{37625FAB-936A-44E0-8525-18DD41E40A4C}" type="slidenum">
+              <a:rPr lang="en-US" smtClean="0"/>
+              <a:t>6</a:t>
+            </a:fld>
+            <a:endParaRPr lang="en-US"/>
+          </a:p>
+        </p:txBody>
+      </p:sp>
+    </p:spTree>
+    <p:extLst>
+      <p:ext uri="{BB962C8B-B14F-4D97-AF65-F5344CB8AC3E}">
+        <p14:creationId xmlns:p14="http://schemas.microsoft.com/office/powerpoint/2010/main" val="2891149873"/>
       </p:ext>
     </p:extLst>
   </p:cSld>
@@ -4360,7 +4442,7 @@
               <a:rPr lang="en-US" sz="3200" dirty="0">
                 <a:sym typeface="Wingdings" panose="05000000000000000000" pitchFamily="2" charset="2"/>
               </a:rPr>
-              <a:t>Unorder </a:t>
+              <a:t>Unordered </a:t>
             </a:r>
           </a:p>
           <a:p>
@@ -4899,6 +4981,98 @@
           <a:chExt cx="0" cy="0"/>
         </a:xfrm>
       </p:grpSpPr>
+      <p:sp>
+        <p:nvSpPr>
+          <p:cNvPr id="200" name="Rectangle 199">
+            <a:extLst>
+              <a:ext uri="{FF2B5EF4-FFF2-40B4-BE49-F238E27FC236}">
+                <a16:creationId xmlns:a16="http://schemas.microsoft.com/office/drawing/2014/main" id="{F9B4D9D0-2D47-4C47-B5F5-5EF594EBB917}"/>
+              </a:ext>
+            </a:extLst>
+          </p:cNvPr>
+          <p:cNvSpPr/>
+          <p:nvPr/>
+        </p:nvSpPr>
+        <p:spPr>
+          <a:xfrm>
+            <a:off x="3493313" y="2258786"/>
+            <a:ext cx="8698687" cy="2789464"/>
+          </a:xfrm>
+          <a:prstGeom prst="rect">
+            <a:avLst/>
+          </a:prstGeom>
+          <a:solidFill>
+            <a:srgbClr val="65F216">
+              <a:alpha val="30196"/>
+            </a:srgbClr>
+          </a:solidFill>
+        </p:spPr>
+        <p:style>
+          <a:lnRef idx="2">
+            <a:schemeClr val="accent1">
+              <a:shade val="50000"/>
+            </a:schemeClr>
+          </a:lnRef>
+          <a:fillRef idx="1">
+            <a:schemeClr val="accent1"/>
+          </a:fillRef>
+          <a:effectRef idx="0">
+            <a:schemeClr val="accent1"/>
+          </a:effectRef>
+          <a:fontRef idx="minor">
+            <a:schemeClr val="lt1"/>
+          </a:fontRef>
+        </p:style>
+        <p:txBody>
+          <a:bodyPr rtlCol="0" anchor="ctr"/>
+          <a:lstStyle/>
+          <a:p>
+            <a:pPr algn="ctr"/>
+            <a:endParaRPr lang="en-US"/>
+          </a:p>
+        </p:txBody>
+      </p:sp>
+      <p:cxnSp>
+        <p:nvCxnSpPr>
+          <p:cNvPr id="196" name="Straight Connector 195">
+            <a:extLst>
+              <a:ext uri="{FF2B5EF4-FFF2-40B4-BE49-F238E27FC236}">
+                <a16:creationId xmlns:a16="http://schemas.microsoft.com/office/drawing/2014/main" id="{2E75E6AB-C605-4658-811B-CCA21CF2054A}"/>
+              </a:ext>
+            </a:extLst>
+          </p:cNvPr>
+          <p:cNvCxnSpPr>
+            <a:cxnSpLocks/>
+          </p:cNvCxnSpPr>
+          <p:nvPr/>
+        </p:nvCxnSpPr>
+        <p:spPr>
+          <a:xfrm flipH="1">
+            <a:off x="3440929" y="1152525"/>
+            <a:ext cx="8118" cy="4210050"/>
+          </a:xfrm>
+          <a:prstGeom prst="line">
+            <a:avLst/>
+          </a:prstGeom>
+          <a:ln w="57150">
+            <a:prstDash val="sysDash"/>
+          </a:ln>
+        </p:spPr>
+        <p:style>
+          <a:lnRef idx="1">
+            <a:schemeClr val="accent1"/>
+          </a:lnRef>
+          <a:fillRef idx="0">
+            <a:schemeClr val="accent1"/>
+          </a:fillRef>
+          <a:effectRef idx="0">
+            <a:schemeClr val="accent1"/>
+          </a:effectRef>
+          <a:fontRef idx="minor">
+            <a:schemeClr val="tx1"/>
+          </a:fontRef>
+        </p:style>
+      </p:cxnSp>
       <p:cxnSp>
         <p:nvCxnSpPr>
           <p:cNvPr id="5" name="Straight Connector 4"/>
@@ -4967,12 +5141,294 @@
           </a:p>
         </p:txBody>
       </p:sp>
-      <p:sp>
-        <p:nvSpPr>
-          <p:cNvPr id="2" name="TextBox 1">
+      <p:grpSp>
+        <p:nvGrpSpPr>
+          <p:cNvPr id="6" name="Group 5">
             <a:extLst>
               <a:ext uri="{FF2B5EF4-FFF2-40B4-BE49-F238E27FC236}">
-                <a16:creationId xmlns:a16="http://schemas.microsoft.com/office/drawing/2014/main" id="{9BDB2CCB-CE08-4D4F-9B4A-297E1CE6D49E}"/>
+                <a16:creationId xmlns:a16="http://schemas.microsoft.com/office/drawing/2014/main" id="{1C17C892-D938-41F9-937B-03930B0A7750}"/>
+              </a:ext>
+            </a:extLst>
+          </p:cNvPr>
+          <p:cNvGrpSpPr/>
+          <p:nvPr/>
+        </p:nvGrpSpPr>
+        <p:grpSpPr>
+          <a:xfrm>
+            <a:off x="10265" y="2701755"/>
+            <a:ext cx="481335" cy="1871869"/>
+            <a:chOff x="1506754" y="3173506"/>
+            <a:chExt cx="859928" cy="2474258"/>
+          </a:xfrm>
+        </p:grpSpPr>
+        <p:sp>
+          <p:nvSpPr>
+            <p:cNvPr id="3" name="Rectangle 2">
+              <a:extLst>
+                <a:ext uri="{FF2B5EF4-FFF2-40B4-BE49-F238E27FC236}">
+                  <a16:creationId xmlns:a16="http://schemas.microsoft.com/office/drawing/2014/main" id="{607B9254-CB41-4097-8ED9-6AF60C7CD2CB}"/>
+                </a:ext>
+              </a:extLst>
+            </p:cNvPr>
+            <p:cNvSpPr/>
+            <p:nvPr/>
+          </p:nvSpPr>
+          <p:spPr>
+            <a:xfrm>
+              <a:off x="1559859" y="3173506"/>
+              <a:ext cx="806823" cy="2474258"/>
+            </a:xfrm>
+            <a:prstGeom prst="rect">
+              <a:avLst/>
+            </a:prstGeom>
+            <a:solidFill>
+              <a:schemeClr val="tx1"/>
+            </a:solidFill>
+            <a:ln w="57150">
+              <a:solidFill>
+                <a:srgbClr val="00B0F0"/>
+              </a:solidFill>
+            </a:ln>
+          </p:spPr>
+          <p:style>
+            <a:lnRef idx="2">
+              <a:schemeClr val="accent1">
+                <a:shade val="50000"/>
+              </a:schemeClr>
+            </a:lnRef>
+            <a:fillRef idx="1">
+              <a:schemeClr val="accent1"/>
+            </a:fillRef>
+            <a:effectRef idx="0">
+              <a:schemeClr val="accent1"/>
+            </a:effectRef>
+            <a:fontRef idx="minor">
+              <a:schemeClr val="lt1"/>
+            </a:fontRef>
+          </p:style>
+          <p:txBody>
+            <a:bodyPr rtlCol="0" anchor="ctr"/>
+            <a:lstStyle/>
+            <a:p>
+              <a:pPr algn="ctr"/>
+              <a:endParaRPr lang="en-US"/>
+            </a:p>
+          </p:txBody>
+        </p:sp>
+        <p:sp>
+          <p:nvSpPr>
+            <p:cNvPr id="4" name="TextBox 3">
+              <a:extLst>
+                <a:ext uri="{FF2B5EF4-FFF2-40B4-BE49-F238E27FC236}">
+                  <a16:creationId xmlns:a16="http://schemas.microsoft.com/office/drawing/2014/main" id="{020B0AF2-4BE2-4E78-A43B-FEFF4A8ECF4F}"/>
+                </a:ext>
+              </a:extLst>
+            </p:cNvPr>
+            <p:cNvSpPr txBox="1"/>
+            <p:nvPr/>
+          </p:nvSpPr>
+          <p:spPr>
+            <a:xfrm rot="16200000">
+              <a:off x="1213894" y="4059813"/>
+              <a:ext cx="1172582" cy="586862"/>
+            </a:xfrm>
+            <a:prstGeom prst="rect">
+              <a:avLst/>
+            </a:prstGeom>
+            <a:noFill/>
+          </p:spPr>
+          <p:txBody>
+            <a:bodyPr wrap="square" rtlCol="0">
+              <a:spAutoFit/>
+            </a:bodyPr>
+            <a:lstStyle/>
+            <a:p>
+              <a:r>
+                <a:rPr lang="en-US" sz="2400" dirty="0">
+                  <a:solidFill>
+                    <a:schemeClr val="bg1"/>
+                  </a:solidFill>
+                </a:rPr>
+                <a:t>N x 3</a:t>
+              </a:r>
+            </a:p>
+          </p:txBody>
+        </p:sp>
+      </p:grpSp>
+      <p:grpSp>
+        <p:nvGrpSpPr>
+          <p:cNvPr id="93" name="Group 92">
+            <a:extLst>
+              <a:ext uri="{FF2B5EF4-FFF2-40B4-BE49-F238E27FC236}">
+                <a16:creationId xmlns:a16="http://schemas.microsoft.com/office/drawing/2014/main" id="{F3051584-58F1-4E15-8D55-ACBF57DD12BA}"/>
+              </a:ext>
+            </a:extLst>
+          </p:cNvPr>
+          <p:cNvGrpSpPr/>
+          <p:nvPr/>
+        </p:nvGrpSpPr>
+        <p:grpSpPr>
+          <a:xfrm>
+            <a:off x="745552" y="2409395"/>
+            <a:ext cx="978677" cy="492382"/>
+            <a:chOff x="1033676" y="2405662"/>
+            <a:chExt cx="978677" cy="492382"/>
+          </a:xfrm>
+        </p:grpSpPr>
+        <p:sp>
+          <p:nvSpPr>
+            <p:cNvPr id="7" name="Rectangle 6">
+              <a:extLst>
+                <a:ext uri="{FF2B5EF4-FFF2-40B4-BE49-F238E27FC236}">
+                  <a16:creationId xmlns:a16="http://schemas.microsoft.com/office/drawing/2014/main" id="{90D67E72-C000-4C8A-B8C1-150506367E49}"/>
+                </a:ext>
+              </a:extLst>
+            </p:cNvPr>
+            <p:cNvSpPr/>
+            <p:nvPr/>
+          </p:nvSpPr>
+          <p:spPr>
+            <a:xfrm>
+              <a:off x="1033676" y="2405662"/>
+              <a:ext cx="952166" cy="492382"/>
+            </a:xfrm>
+            <a:prstGeom prst="rect">
+              <a:avLst/>
+            </a:prstGeom>
+            <a:solidFill>
+              <a:srgbClr val="92D050"/>
+            </a:solidFill>
+            <a:ln w="38100">
+              <a:solidFill>
+                <a:srgbClr val="00B0F0"/>
+              </a:solidFill>
+            </a:ln>
+          </p:spPr>
+          <p:style>
+            <a:lnRef idx="2">
+              <a:schemeClr val="accent1">
+                <a:shade val="50000"/>
+              </a:schemeClr>
+            </a:lnRef>
+            <a:fillRef idx="1">
+              <a:schemeClr val="accent1"/>
+            </a:fillRef>
+            <a:effectRef idx="0">
+              <a:schemeClr val="accent1"/>
+            </a:effectRef>
+            <a:fontRef idx="minor">
+              <a:schemeClr val="lt1"/>
+            </a:fontRef>
+          </p:style>
+          <p:txBody>
+            <a:bodyPr rtlCol="0" anchor="ctr"/>
+            <a:lstStyle/>
+            <a:p>
+              <a:pPr algn="ctr"/>
+              <a:endParaRPr lang="en-US"/>
+            </a:p>
+          </p:txBody>
+        </p:sp>
+        <p:sp>
+          <p:nvSpPr>
+            <p:cNvPr id="10" name="TextBox 9">
+              <a:extLst>
+                <a:ext uri="{FF2B5EF4-FFF2-40B4-BE49-F238E27FC236}">
+                  <a16:creationId xmlns:a16="http://schemas.microsoft.com/office/drawing/2014/main" id="{FD0FE5B1-56F7-4CBC-B58E-E93CB4D41B70}"/>
+                </a:ext>
+              </a:extLst>
+            </p:cNvPr>
+            <p:cNvSpPr txBox="1"/>
+            <p:nvPr/>
+          </p:nvSpPr>
+          <p:spPr>
+            <a:xfrm>
+              <a:off x="1044640" y="2463923"/>
+              <a:ext cx="967713" cy="369332"/>
+            </a:xfrm>
+            <a:prstGeom prst="rect">
+              <a:avLst/>
+            </a:prstGeom>
+            <a:noFill/>
+          </p:spPr>
+          <p:txBody>
+            <a:bodyPr wrap="square" rtlCol="0">
+              <a:spAutoFit/>
+            </a:bodyPr>
+            <a:lstStyle/>
+            <a:p>
+              <a:r>
+                <a:rPr lang="en-US" b="1" dirty="0">
+                  <a:solidFill>
+                    <a:schemeClr val="bg1"/>
+                  </a:solidFill>
+                </a:rPr>
+                <a:t>KNN_10</a:t>
+              </a:r>
+            </a:p>
+          </p:txBody>
+        </p:sp>
+      </p:grpSp>
+      <p:sp>
+        <p:nvSpPr>
+          <p:cNvPr id="21" name="Rectangle 20">
+            <a:extLst>
+              <a:ext uri="{FF2B5EF4-FFF2-40B4-BE49-F238E27FC236}">
+                <a16:creationId xmlns:a16="http://schemas.microsoft.com/office/drawing/2014/main" id="{E15DC426-BB6F-4961-9515-746D12B55F5E}"/>
+              </a:ext>
+            </a:extLst>
+          </p:cNvPr>
+          <p:cNvSpPr/>
+          <p:nvPr/>
+        </p:nvSpPr>
+        <p:spPr>
+          <a:xfrm>
+            <a:off x="1875566" y="2408186"/>
+            <a:ext cx="1488757" cy="492382"/>
+          </a:xfrm>
+          <a:prstGeom prst="rect">
+            <a:avLst/>
+          </a:prstGeom>
+          <a:solidFill>
+            <a:srgbClr val="FFFF00"/>
+          </a:solidFill>
+          <a:ln w="38100">
+            <a:solidFill>
+              <a:srgbClr val="00B0F0"/>
+            </a:solidFill>
+          </a:ln>
+        </p:spPr>
+        <p:style>
+          <a:lnRef idx="2">
+            <a:schemeClr val="accent1">
+              <a:shade val="50000"/>
+            </a:schemeClr>
+          </a:lnRef>
+          <a:fillRef idx="1">
+            <a:schemeClr val="accent1"/>
+          </a:fillRef>
+          <a:effectRef idx="0">
+            <a:schemeClr val="accent1"/>
+          </a:effectRef>
+          <a:fontRef idx="minor">
+            <a:schemeClr val="lt1"/>
+          </a:fontRef>
+        </p:style>
+        <p:txBody>
+          <a:bodyPr rtlCol="0" anchor="ctr"/>
+          <a:lstStyle/>
+          <a:p>
+            <a:pPr algn="ctr"/>
+            <a:endParaRPr lang="en-US"/>
+          </a:p>
+        </p:txBody>
+      </p:sp>
+      <p:sp>
+        <p:nvSpPr>
+          <p:cNvPr id="22" name="TextBox 21">
+            <a:extLst>
+              <a:ext uri="{FF2B5EF4-FFF2-40B4-BE49-F238E27FC236}">
+                <a16:creationId xmlns:a16="http://schemas.microsoft.com/office/drawing/2014/main" id="{CC79C815-B132-45FA-A2AD-24151434CDDE}"/>
               </a:ext>
             </a:extLst>
           </p:cNvPr>
@@ -4981,8 +5437,8 @@
         </p:nvSpPr>
         <p:spPr>
           <a:xfrm>
-            <a:off x="523874" y="1104740"/>
-            <a:ext cx="11668126" cy="707886"/>
+            <a:off x="1890226" y="2469711"/>
+            <a:ext cx="1493147" cy="307777"/>
           </a:xfrm>
           <a:prstGeom prst="rect">
             <a:avLst/>
@@ -4995,22 +5451,3708 @@
           </a:bodyPr>
           <a:lstStyle/>
           <a:p>
-            <a:pPr marL="571500" indent="-571500">
-              <a:buFont typeface="Arial" panose="020B0604020202020204" pitchFamily="34" charset="0"/>
-              <a:buChar char="•"/>
-            </a:pPr>
-            <a:r>
-              <a:rPr lang="en-US" sz="4000" dirty="0"/>
-              <a:t>Model:</a:t>
-            </a:r>
-            <a:endParaRPr lang="en-US" sz="4400" dirty="0">
+            <a:r>
+              <a:rPr lang="en-US" sz="1400" b="1" dirty="0">
+                <a:solidFill>
+                  <a:schemeClr val="bg1"/>
+                </a:solidFill>
+              </a:rPr>
+              <a:t>EdgeFeatures_10</a:t>
+            </a:r>
+          </a:p>
+        </p:txBody>
+      </p:sp>
+      <p:sp>
+        <p:nvSpPr>
+          <p:cNvPr id="47" name="Rectangle 46">
+            <a:extLst>
+              <a:ext uri="{FF2B5EF4-FFF2-40B4-BE49-F238E27FC236}">
+                <a16:creationId xmlns:a16="http://schemas.microsoft.com/office/drawing/2014/main" id="{0420C285-8807-4F6C-AC55-8E10231355F5}"/>
+              </a:ext>
+            </a:extLst>
+          </p:cNvPr>
+          <p:cNvSpPr/>
+          <p:nvPr/>
+        </p:nvSpPr>
+        <p:spPr>
+          <a:xfrm>
+            <a:off x="3517535" y="2412949"/>
+            <a:ext cx="1832200" cy="492382"/>
+          </a:xfrm>
+          <a:prstGeom prst="rect">
+            <a:avLst/>
+          </a:prstGeom>
+          <a:solidFill>
+            <a:srgbClr val="FF99FF"/>
+          </a:solidFill>
+          <a:ln w="38100">
+            <a:solidFill>
+              <a:srgbClr val="FF0000"/>
+            </a:solidFill>
+          </a:ln>
+        </p:spPr>
+        <p:style>
+          <a:lnRef idx="2">
+            <a:schemeClr val="accent1">
+              <a:shade val="50000"/>
+            </a:schemeClr>
+          </a:lnRef>
+          <a:fillRef idx="1">
+            <a:schemeClr val="accent1"/>
+          </a:fillRef>
+          <a:effectRef idx="0">
+            <a:schemeClr val="accent1"/>
+          </a:effectRef>
+          <a:fontRef idx="minor">
+            <a:schemeClr val="lt1"/>
+          </a:fontRef>
+        </p:style>
+        <p:txBody>
+          <a:bodyPr rtlCol="0" anchor="ctr"/>
+          <a:lstStyle/>
+          <a:p>
+            <a:pPr algn="ctr"/>
+            <a:endParaRPr lang="en-US"/>
+          </a:p>
+        </p:txBody>
+      </p:sp>
+      <p:sp>
+        <p:nvSpPr>
+          <p:cNvPr id="48" name="TextBox 47">
+            <a:extLst>
+              <a:ext uri="{FF2B5EF4-FFF2-40B4-BE49-F238E27FC236}">
+                <a16:creationId xmlns:a16="http://schemas.microsoft.com/office/drawing/2014/main" id="{C5713A45-B451-4683-B261-182B136863F2}"/>
+              </a:ext>
+            </a:extLst>
+          </p:cNvPr>
+          <p:cNvSpPr txBox="1"/>
+          <p:nvPr/>
+        </p:nvSpPr>
+        <p:spPr>
+          <a:xfrm>
+            <a:off x="3575228" y="2484000"/>
+            <a:ext cx="1717796" cy="307777"/>
+          </a:xfrm>
+          <a:prstGeom prst="rect">
+            <a:avLst/>
+          </a:prstGeom>
+          <a:noFill/>
+        </p:spPr>
+        <p:txBody>
+          <a:bodyPr wrap="square" rtlCol="0">
+            <a:spAutoFit/>
+          </a:bodyPr>
+          <a:lstStyle/>
+          <a:p>
+            <a:r>
+              <a:rPr lang="en-US" sz="1400" b="1" dirty="0">
+                <a:solidFill>
+                  <a:schemeClr val="bg1"/>
+                </a:solidFill>
+              </a:rPr>
+              <a:t>conv1 – </a:t>
+            </a:r>
+            <a:r>
+              <a:rPr lang="en-US" sz="1400" b="1" dirty="0" err="1">
+                <a:solidFill>
+                  <a:schemeClr val="bg1"/>
+                </a:solidFill>
+              </a:rPr>
+              <a:t>ReLU</a:t>
+            </a:r>
+            <a:r>
+              <a:rPr lang="en-US" sz="1400" b="1" dirty="0">
+                <a:solidFill>
+                  <a:schemeClr val="bg1"/>
+                </a:solidFill>
+              </a:rPr>
+              <a:t> – 64Ch </a:t>
+            </a:r>
+          </a:p>
+        </p:txBody>
+      </p:sp>
+      <p:sp>
+        <p:nvSpPr>
+          <p:cNvPr id="50" name="Rectangle 49">
+            <a:extLst>
+              <a:ext uri="{FF2B5EF4-FFF2-40B4-BE49-F238E27FC236}">
+                <a16:creationId xmlns:a16="http://schemas.microsoft.com/office/drawing/2014/main" id="{485319D3-4673-4EAB-BC28-86C4AE0BDD56}"/>
+              </a:ext>
+            </a:extLst>
+          </p:cNvPr>
+          <p:cNvSpPr/>
+          <p:nvPr/>
+        </p:nvSpPr>
+        <p:spPr>
+          <a:xfrm>
+            <a:off x="3540839" y="3128282"/>
+            <a:ext cx="1832200" cy="492382"/>
+          </a:xfrm>
+          <a:prstGeom prst="rect">
+            <a:avLst/>
+          </a:prstGeom>
+          <a:solidFill>
+            <a:srgbClr val="FF99FF"/>
+          </a:solidFill>
+          <a:ln w="38100">
+            <a:solidFill>
+              <a:srgbClr val="FF0000"/>
+            </a:solidFill>
+          </a:ln>
+        </p:spPr>
+        <p:style>
+          <a:lnRef idx="2">
+            <a:schemeClr val="accent1">
+              <a:shade val="50000"/>
+            </a:schemeClr>
+          </a:lnRef>
+          <a:fillRef idx="1">
+            <a:schemeClr val="accent1"/>
+          </a:fillRef>
+          <a:effectRef idx="0">
+            <a:schemeClr val="accent1"/>
+          </a:effectRef>
+          <a:fontRef idx="minor">
+            <a:schemeClr val="lt1"/>
+          </a:fontRef>
+        </p:style>
+        <p:txBody>
+          <a:bodyPr rtlCol="0" anchor="ctr"/>
+          <a:lstStyle/>
+          <a:p>
+            <a:pPr algn="ctr"/>
+            <a:endParaRPr lang="en-US"/>
+          </a:p>
+        </p:txBody>
+      </p:sp>
+      <p:sp>
+        <p:nvSpPr>
+          <p:cNvPr id="51" name="TextBox 50">
+            <a:extLst>
+              <a:ext uri="{FF2B5EF4-FFF2-40B4-BE49-F238E27FC236}">
+                <a16:creationId xmlns:a16="http://schemas.microsoft.com/office/drawing/2014/main" id="{6941FCB9-A82A-4D65-93EC-7C5C0D1609C3}"/>
+              </a:ext>
+            </a:extLst>
+          </p:cNvPr>
+          <p:cNvSpPr txBox="1"/>
+          <p:nvPr/>
+        </p:nvSpPr>
+        <p:spPr>
+          <a:xfrm>
+            <a:off x="3598531" y="3185044"/>
+            <a:ext cx="1738825" cy="307777"/>
+          </a:xfrm>
+          <a:prstGeom prst="rect">
+            <a:avLst/>
+          </a:prstGeom>
+          <a:noFill/>
+        </p:spPr>
+        <p:txBody>
+          <a:bodyPr wrap="square" rtlCol="0">
+            <a:spAutoFit/>
+          </a:bodyPr>
+          <a:lstStyle/>
+          <a:p>
+            <a:r>
+              <a:rPr lang="en-US" sz="1400" b="1" dirty="0">
+                <a:solidFill>
+                  <a:schemeClr val="bg1"/>
+                </a:solidFill>
+              </a:rPr>
+              <a:t>conv2 – </a:t>
+            </a:r>
+            <a:r>
+              <a:rPr lang="en-US" sz="1400" b="1" dirty="0" err="1">
+                <a:solidFill>
+                  <a:schemeClr val="bg1"/>
+                </a:solidFill>
+              </a:rPr>
+              <a:t>ReLU</a:t>
+            </a:r>
+            <a:r>
+              <a:rPr lang="en-US" sz="1400" b="1" dirty="0">
+                <a:solidFill>
+                  <a:schemeClr val="bg1"/>
+                </a:solidFill>
+              </a:rPr>
+              <a:t> – 64Ch </a:t>
+            </a:r>
+            <a:endParaRPr lang="en-US" sz="1400" dirty="0">
+              <a:solidFill>
+                <a:schemeClr val="bg1"/>
+              </a:solidFill>
+            </a:endParaRPr>
+          </a:p>
+        </p:txBody>
+      </p:sp>
+      <p:sp>
+        <p:nvSpPr>
+          <p:cNvPr id="53" name="Rectangle 52">
+            <a:extLst>
+              <a:ext uri="{FF2B5EF4-FFF2-40B4-BE49-F238E27FC236}">
+                <a16:creationId xmlns:a16="http://schemas.microsoft.com/office/drawing/2014/main" id="{3CC71F7E-6996-4D69-AB8D-EE33E8A7D561}"/>
+              </a:ext>
+            </a:extLst>
+          </p:cNvPr>
+          <p:cNvSpPr/>
+          <p:nvPr/>
+        </p:nvSpPr>
+        <p:spPr>
+          <a:xfrm>
+            <a:off x="3542629" y="3836390"/>
+            <a:ext cx="1832200" cy="492382"/>
+          </a:xfrm>
+          <a:prstGeom prst="rect">
+            <a:avLst/>
+          </a:prstGeom>
+          <a:solidFill>
+            <a:srgbClr val="FF99FF"/>
+          </a:solidFill>
+          <a:ln w="38100">
+            <a:solidFill>
+              <a:srgbClr val="FF0000"/>
+            </a:solidFill>
+          </a:ln>
+        </p:spPr>
+        <p:style>
+          <a:lnRef idx="2">
+            <a:schemeClr val="accent1">
+              <a:shade val="50000"/>
+            </a:schemeClr>
+          </a:lnRef>
+          <a:fillRef idx="1">
+            <a:schemeClr val="accent1"/>
+          </a:fillRef>
+          <a:effectRef idx="0">
+            <a:schemeClr val="accent1"/>
+          </a:effectRef>
+          <a:fontRef idx="minor">
+            <a:schemeClr val="lt1"/>
+          </a:fontRef>
+        </p:style>
+        <p:txBody>
+          <a:bodyPr rtlCol="0" anchor="ctr"/>
+          <a:lstStyle/>
+          <a:p>
+            <a:pPr algn="ctr"/>
+            <a:endParaRPr lang="en-US"/>
+          </a:p>
+        </p:txBody>
+      </p:sp>
+      <p:sp>
+        <p:nvSpPr>
+          <p:cNvPr id="54" name="TextBox 53">
+            <a:extLst>
+              <a:ext uri="{FF2B5EF4-FFF2-40B4-BE49-F238E27FC236}">
+                <a16:creationId xmlns:a16="http://schemas.microsoft.com/office/drawing/2014/main" id="{BB60314C-6DD9-4FAD-AB19-DEE47F2444D2}"/>
+              </a:ext>
+            </a:extLst>
+          </p:cNvPr>
+          <p:cNvSpPr txBox="1"/>
+          <p:nvPr/>
+        </p:nvSpPr>
+        <p:spPr>
+          <a:xfrm>
+            <a:off x="3600321" y="3864574"/>
+            <a:ext cx="1799601" cy="307777"/>
+          </a:xfrm>
+          <a:prstGeom prst="rect">
+            <a:avLst/>
+          </a:prstGeom>
+          <a:noFill/>
+        </p:spPr>
+        <p:txBody>
+          <a:bodyPr wrap="square" rtlCol="0">
+            <a:spAutoFit/>
+          </a:bodyPr>
+          <a:lstStyle/>
+          <a:p>
+            <a:r>
+              <a:rPr lang="en-US" sz="1400" b="1" dirty="0">
+                <a:solidFill>
+                  <a:schemeClr val="bg1"/>
+                </a:solidFill>
+              </a:rPr>
+              <a:t>conv3 – </a:t>
+            </a:r>
+            <a:r>
+              <a:rPr lang="en-US" sz="1400" b="1" dirty="0" err="1">
+                <a:solidFill>
+                  <a:schemeClr val="bg1"/>
+                </a:solidFill>
+              </a:rPr>
+              <a:t>ReLU</a:t>
+            </a:r>
+            <a:r>
+              <a:rPr lang="en-US" sz="1400" b="1" dirty="0">
+                <a:solidFill>
+                  <a:schemeClr val="bg1"/>
+                </a:solidFill>
+              </a:rPr>
+              <a:t> – 64Ch </a:t>
+            </a:r>
+            <a:endParaRPr lang="en-US" sz="1400" dirty="0">
+              <a:solidFill>
+                <a:schemeClr val="bg1"/>
+              </a:solidFill>
+            </a:endParaRPr>
+          </a:p>
+        </p:txBody>
+      </p:sp>
+      <p:sp>
+        <p:nvSpPr>
+          <p:cNvPr id="56" name="Rectangle 55">
+            <a:extLst>
+              <a:ext uri="{FF2B5EF4-FFF2-40B4-BE49-F238E27FC236}">
+                <a16:creationId xmlns:a16="http://schemas.microsoft.com/office/drawing/2014/main" id="{E914A10F-5B2A-4641-AD7B-40B6D25E5F9A}"/>
+              </a:ext>
+            </a:extLst>
+          </p:cNvPr>
+          <p:cNvSpPr/>
+          <p:nvPr/>
+        </p:nvSpPr>
+        <p:spPr>
+          <a:xfrm>
+            <a:off x="3544417" y="4462132"/>
+            <a:ext cx="1832200" cy="492382"/>
+          </a:xfrm>
+          <a:prstGeom prst="rect">
+            <a:avLst/>
+          </a:prstGeom>
+          <a:solidFill>
+            <a:srgbClr val="FF99FF"/>
+          </a:solidFill>
+          <a:ln w="38100">
+            <a:solidFill>
+              <a:srgbClr val="FF0000"/>
+            </a:solidFill>
+          </a:ln>
+        </p:spPr>
+        <p:style>
+          <a:lnRef idx="2">
+            <a:schemeClr val="accent1">
+              <a:shade val="50000"/>
+            </a:schemeClr>
+          </a:lnRef>
+          <a:fillRef idx="1">
+            <a:schemeClr val="accent1"/>
+          </a:fillRef>
+          <a:effectRef idx="0">
+            <a:schemeClr val="accent1"/>
+          </a:effectRef>
+          <a:fontRef idx="minor">
+            <a:schemeClr val="lt1"/>
+          </a:fontRef>
+        </p:style>
+        <p:txBody>
+          <a:bodyPr rtlCol="0" anchor="ctr"/>
+          <a:lstStyle/>
+          <a:p>
+            <a:pPr algn="ctr"/>
+            <a:endParaRPr lang="en-US"/>
+          </a:p>
+        </p:txBody>
+      </p:sp>
+      <p:sp>
+        <p:nvSpPr>
+          <p:cNvPr id="57" name="TextBox 56">
+            <a:extLst>
+              <a:ext uri="{FF2B5EF4-FFF2-40B4-BE49-F238E27FC236}">
+                <a16:creationId xmlns:a16="http://schemas.microsoft.com/office/drawing/2014/main" id="{C7A55898-B5FE-4823-9016-612924EFF085}"/>
+              </a:ext>
+            </a:extLst>
+          </p:cNvPr>
+          <p:cNvSpPr txBox="1"/>
+          <p:nvPr/>
+        </p:nvSpPr>
+        <p:spPr>
+          <a:xfrm>
+            <a:off x="3602110" y="4490316"/>
+            <a:ext cx="1792902" cy="307777"/>
+          </a:xfrm>
+          <a:prstGeom prst="rect">
+            <a:avLst/>
+          </a:prstGeom>
+          <a:noFill/>
+        </p:spPr>
+        <p:txBody>
+          <a:bodyPr wrap="square" rtlCol="0">
+            <a:spAutoFit/>
+          </a:bodyPr>
+          <a:lstStyle/>
+          <a:p>
+            <a:r>
+              <a:rPr lang="en-US" sz="1400" b="1" dirty="0">
+                <a:solidFill>
+                  <a:schemeClr val="bg1"/>
+                </a:solidFill>
+              </a:rPr>
+              <a:t>conv4 – </a:t>
+            </a:r>
+            <a:r>
+              <a:rPr lang="en-US" sz="1400" b="1" dirty="0" err="1">
+                <a:solidFill>
+                  <a:schemeClr val="bg1"/>
+                </a:solidFill>
+              </a:rPr>
+              <a:t>ReLU</a:t>
+            </a:r>
+            <a:r>
+              <a:rPr lang="en-US" sz="1400" b="1" dirty="0">
+                <a:solidFill>
+                  <a:schemeClr val="bg1"/>
+                </a:solidFill>
+              </a:rPr>
+              <a:t> – 128Ch </a:t>
+            </a:r>
+            <a:endParaRPr lang="en-US" sz="1400" dirty="0">
+              <a:solidFill>
+                <a:schemeClr val="bg1"/>
+              </a:solidFill>
+            </a:endParaRPr>
+          </a:p>
+        </p:txBody>
+      </p:sp>
+      <p:grpSp>
+        <p:nvGrpSpPr>
+          <p:cNvPr id="63" name="Group 62">
+            <a:extLst>
+              <a:ext uri="{FF2B5EF4-FFF2-40B4-BE49-F238E27FC236}">
+                <a16:creationId xmlns:a16="http://schemas.microsoft.com/office/drawing/2014/main" id="{E7771F7C-6829-4F1F-8D26-DAE44556CD4B}"/>
+              </a:ext>
+            </a:extLst>
+          </p:cNvPr>
+          <p:cNvGrpSpPr/>
+          <p:nvPr/>
+        </p:nvGrpSpPr>
+        <p:grpSpPr>
+          <a:xfrm>
+            <a:off x="6470482" y="2382636"/>
+            <a:ext cx="634701" cy="2539567"/>
+            <a:chOff x="7953645" y="3147257"/>
+            <a:chExt cx="634701" cy="2496510"/>
+          </a:xfrm>
+        </p:grpSpPr>
+        <p:sp>
+          <p:nvSpPr>
+            <p:cNvPr id="58" name="Rectangle 57">
+              <a:extLst>
+                <a:ext uri="{FF2B5EF4-FFF2-40B4-BE49-F238E27FC236}">
+                  <a16:creationId xmlns:a16="http://schemas.microsoft.com/office/drawing/2014/main" id="{7CFBF014-A0D5-45D2-9F8C-D7B49D4287D7}"/>
+                </a:ext>
+              </a:extLst>
+            </p:cNvPr>
+            <p:cNvSpPr/>
+            <p:nvPr/>
+          </p:nvSpPr>
+          <p:spPr>
+            <a:xfrm>
+              <a:off x="7953645" y="3177239"/>
+              <a:ext cx="634701" cy="2466528"/>
+            </a:xfrm>
+            <a:prstGeom prst="rect">
+              <a:avLst/>
+            </a:prstGeom>
+            <a:solidFill>
+              <a:srgbClr val="FF99FF"/>
+            </a:solidFill>
+            <a:ln w="38100">
+              <a:solidFill>
+                <a:srgbClr val="FF0000"/>
+              </a:solidFill>
+            </a:ln>
+          </p:spPr>
+          <p:style>
+            <a:lnRef idx="2">
+              <a:schemeClr val="accent1">
+                <a:shade val="50000"/>
+              </a:schemeClr>
+            </a:lnRef>
+            <a:fillRef idx="1">
+              <a:schemeClr val="accent1"/>
+            </a:fillRef>
+            <a:effectRef idx="0">
+              <a:schemeClr val="accent1"/>
+            </a:effectRef>
+            <a:fontRef idx="minor">
+              <a:schemeClr val="lt1"/>
+            </a:fontRef>
+          </p:style>
+          <p:txBody>
+            <a:bodyPr rtlCol="0" anchor="ctr"/>
+            <a:lstStyle/>
+            <a:p>
+              <a:pPr algn="ctr"/>
+              <a:endParaRPr lang="en-US"/>
+            </a:p>
+          </p:txBody>
+        </p:sp>
+        <p:sp>
+          <p:nvSpPr>
+            <p:cNvPr id="60" name="TextBox 59">
+              <a:extLst>
+                <a:ext uri="{FF2B5EF4-FFF2-40B4-BE49-F238E27FC236}">
+                  <a16:creationId xmlns:a16="http://schemas.microsoft.com/office/drawing/2014/main" id="{72489727-CA06-41AF-AE81-9EAC563EED34}"/>
+                </a:ext>
+              </a:extLst>
+            </p:cNvPr>
+            <p:cNvSpPr txBox="1"/>
+            <p:nvPr/>
+          </p:nvSpPr>
+          <p:spPr>
+            <a:xfrm rot="16200000">
+              <a:off x="7037731" y="4195855"/>
+              <a:ext cx="2466528" cy="369332"/>
+            </a:xfrm>
+            <a:prstGeom prst="rect">
+              <a:avLst/>
+            </a:prstGeom>
+            <a:noFill/>
+          </p:spPr>
+          <p:txBody>
+            <a:bodyPr wrap="square" rtlCol="0">
+              <a:spAutoFit/>
+            </a:bodyPr>
+            <a:lstStyle/>
+            <a:p>
+              <a:pPr algn="ctr"/>
+              <a:r>
+                <a:rPr lang="en-US" b="1" dirty="0">
+                  <a:solidFill>
+                    <a:schemeClr val="bg1"/>
+                  </a:solidFill>
+                </a:rPr>
+                <a:t>conv5 – </a:t>
+              </a:r>
+              <a:r>
+                <a:rPr lang="en-US" b="1" dirty="0" err="1">
+                  <a:solidFill>
+                    <a:schemeClr val="bg1"/>
+                  </a:solidFill>
+                </a:rPr>
+                <a:t>ReLU</a:t>
+              </a:r>
+              <a:r>
+                <a:rPr lang="en-US" b="1" dirty="0">
+                  <a:solidFill>
+                    <a:schemeClr val="bg1"/>
+                  </a:solidFill>
+                </a:rPr>
+                <a:t> – 1024Ch </a:t>
+              </a:r>
+              <a:endParaRPr lang="en-US" dirty="0">
+                <a:solidFill>
+                  <a:schemeClr val="bg1"/>
+                </a:solidFill>
+              </a:endParaRPr>
+            </a:p>
+          </p:txBody>
+        </p:sp>
+      </p:grpSp>
+      <p:grpSp>
+        <p:nvGrpSpPr>
+          <p:cNvPr id="64" name="Group 63">
+            <a:extLst>
+              <a:ext uri="{FF2B5EF4-FFF2-40B4-BE49-F238E27FC236}">
+                <a16:creationId xmlns:a16="http://schemas.microsoft.com/office/drawing/2014/main" id="{C5BA8AE0-35FC-4DCB-A43C-3EA85B22CA02}"/>
+              </a:ext>
+            </a:extLst>
+          </p:cNvPr>
+          <p:cNvGrpSpPr/>
+          <p:nvPr/>
+        </p:nvGrpSpPr>
+        <p:grpSpPr>
+          <a:xfrm>
+            <a:off x="5626321" y="2401522"/>
+            <a:ext cx="634701" cy="2509068"/>
+            <a:chOff x="7047565" y="3166142"/>
+            <a:chExt cx="634701" cy="2472656"/>
+          </a:xfrm>
+        </p:grpSpPr>
+        <p:sp>
+          <p:nvSpPr>
+            <p:cNvPr id="61" name="Rectangle 60">
+              <a:extLst>
+                <a:ext uri="{FF2B5EF4-FFF2-40B4-BE49-F238E27FC236}">
+                  <a16:creationId xmlns:a16="http://schemas.microsoft.com/office/drawing/2014/main" id="{84083D6C-89C1-456B-92BF-89169989FC30}"/>
+                </a:ext>
+              </a:extLst>
+            </p:cNvPr>
+            <p:cNvSpPr/>
+            <p:nvPr/>
+          </p:nvSpPr>
+          <p:spPr>
+            <a:xfrm>
+              <a:off x="7047565" y="3172270"/>
+              <a:ext cx="634701" cy="2466528"/>
+            </a:xfrm>
+            <a:prstGeom prst="rect">
+              <a:avLst/>
+            </a:prstGeom>
+            <a:solidFill>
+              <a:srgbClr val="FFFF00"/>
+            </a:solidFill>
+            <a:ln w="38100">
               <a:solidFill>
                 <a:srgbClr val="00B0F0"/>
               </a:solidFill>
-            </a:endParaRPr>
-          </a:p>
-        </p:txBody>
-      </p:sp>
+            </a:ln>
+          </p:spPr>
+          <p:style>
+            <a:lnRef idx="2">
+              <a:schemeClr val="accent1">
+                <a:shade val="50000"/>
+              </a:schemeClr>
+            </a:lnRef>
+            <a:fillRef idx="1">
+              <a:schemeClr val="accent1"/>
+            </a:fillRef>
+            <a:effectRef idx="0">
+              <a:schemeClr val="accent1"/>
+            </a:effectRef>
+            <a:fontRef idx="minor">
+              <a:schemeClr val="lt1"/>
+            </a:fontRef>
+          </p:style>
+          <p:txBody>
+            <a:bodyPr rtlCol="0" anchor="ctr"/>
+            <a:lstStyle/>
+            <a:p>
+              <a:pPr algn="ctr"/>
+              <a:endParaRPr lang="en-US"/>
+            </a:p>
+          </p:txBody>
+        </p:sp>
+        <p:sp>
+          <p:nvSpPr>
+            <p:cNvPr id="62" name="TextBox 61">
+              <a:extLst>
+                <a:ext uri="{FF2B5EF4-FFF2-40B4-BE49-F238E27FC236}">
+                  <a16:creationId xmlns:a16="http://schemas.microsoft.com/office/drawing/2014/main" id="{D5DAE951-A973-47B0-BE9F-5AD60B8FBD35}"/>
+                </a:ext>
+              </a:extLst>
+            </p:cNvPr>
+            <p:cNvSpPr txBox="1"/>
+            <p:nvPr/>
+          </p:nvSpPr>
+          <p:spPr>
+            <a:xfrm rot="16200000">
+              <a:off x="6131652" y="4168573"/>
+              <a:ext cx="2466528" cy="461665"/>
+            </a:xfrm>
+            <a:prstGeom prst="rect">
+              <a:avLst/>
+            </a:prstGeom>
+            <a:noFill/>
+          </p:spPr>
+          <p:txBody>
+            <a:bodyPr wrap="square" rtlCol="0">
+              <a:spAutoFit/>
+            </a:bodyPr>
+            <a:lstStyle/>
+            <a:p>
+              <a:pPr algn="ctr"/>
+              <a:r>
+                <a:rPr lang="en-US" sz="2400" b="1" dirty="0">
+                  <a:solidFill>
+                    <a:schemeClr val="bg1"/>
+                  </a:solidFill>
+                </a:rPr>
+                <a:t>Concatenate - 320 </a:t>
+              </a:r>
+              <a:endParaRPr lang="en-US" sz="2400" dirty="0">
+                <a:solidFill>
+                  <a:schemeClr val="bg1"/>
+                </a:solidFill>
+              </a:endParaRPr>
+            </a:p>
+          </p:txBody>
+        </p:sp>
+      </p:grpSp>
+      <p:sp>
+        <p:nvSpPr>
+          <p:cNvPr id="65" name="Rectangle 64">
+            <a:extLst>
+              <a:ext uri="{FF2B5EF4-FFF2-40B4-BE49-F238E27FC236}">
+                <a16:creationId xmlns:a16="http://schemas.microsoft.com/office/drawing/2014/main" id="{9F7D7AF7-C35E-4CD3-9F5A-209249875345}"/>
+              </a:ext>
+            </a:extLst>
+          </p:cNvPr>
+          <p:cNvSpPr/>
+          <p:nvPr/>
+        </p:nvSpPr>
+        <p:spPr>
+          <a:xfrm rot="5400000">
+            <a:off x="1019837" y="5434140"/>
+            <a:ext cx="369334" cy="1481754"/>
+          </a:xfrm>
+          <a:prstGeom prst="rect">
+            <a:avLst/>
+          </a:prstGeom>
+          <a:solidFill>
+            <a:schemeClr val="tx1"/>
+          </a:solidFill>
+          <a:ln w="38100">
+            <a:solidFill>
+              <a:srgbClr val="00B0F0"/>
+            </a:solidFill>
+          </a:ln>
+        </p:spPr>
+        <p:style>
+          <a:lnRef idx="2">
+            <a:schemeClr val="accent1">
+              <a:shade val="50000"/>
+            </a:schemeClr>
+          </a:lnRef>
+          <a:fillRef idx="1">
+            <a:schemeClr val="accent1"/>
+          </a:fillRef>
+          <a:effectRef idx="0">
+            <a:schemeClr val="accent1"/>
+          </a:effectRef>
+          <a:fontRef idx="minor">
+            <a:schemeClr val="lt1"/>
+          </a:fontRef>
+        </p:style>
+        <p:txBody>
+          <a:bodyPr rtlCol="0" anchor="ctr"/>
+          <a:lstStyle/>
+          <a:p>
+            <a:pPr algn="ctr"/>
+            <a:endParaRPr lang="en-US"/>
+          </a:p>
+        </p:txBody>
+      </p:sp>
+      <p:sp>
+        <p:nvSpPr>
+          <p:cNvPr id="66" name="TextBox 65">
+            <a:extLst>
+              <a:ext uri="{FF2B5EF4-FFF2-40B4-BE49-F238E27FC236}">
+                <a16:creationId xmlns:a16="http://schemas.microsoft.com/office/drawing/2014/main" id="{6C125406-7AAF-4ADC-ADE7-C0D740A13090}"/>
+              </a:ext>
+            </a:extLst>
+          </p:cNvPr>
+          <p:cNvSpPr txBox="1"/>
+          <p:nvPr/>
+        </p:nvSpPr>
+        <p:spPr>
+          <a:xfrm>
+            <a:off x="633195" y="5980869"/>
+            <a:ext cx="1481754" cy="369332"/>
+          </a:xfrm>
+          <a:prstGeom prst="rect">
+            <a:avLst/>
+          </a:prstGeom>
+          <a:noFill/>
+        </p:spPr>
+        <p:txBody>
+          <a:bodyPr wrap="square" rtlCol="0">
+            <a:spAutoFit/>
+          </a:bodyPr>
+          <a:lstStyle/>
+          <a:p>
+            <a:r>
+              <a:rPr lang="en-US" dirty="0">
+                <a:solidFill>
+                  <a:schemeClr val="bg1"/>
+                </a:solidFill>
+              </a:rPr>
+              <a:t>Raw Input </a:t>
+            </a:r>
+          </a:p>
+        </p:txBody>
+      </p:sp>
+      <p:grpSp>
+        <p:nvGrpSpPr>
+          <p:cNvPr id="72" name="Group 71">
+            <a:extLst>
+              <a:ext uri="{FF2B5EF4-FFF2-40B4-BE49-F238E27FC236}">
+                <a16:creationId xmlns:a16="http://schemas.microsoft.com/office/drawing/2014/main" id="{32AAFF13-BA5C-4782-8F2B-C1582054E7B0}"/>
+              </a:ext>
+            </a:extLst>
+          </p:cNvPr>
+          <p:cNvGrpSpPr/>
+          <p:nvPr/>
+        </p:nvGrpSpPr>
+        <p:grpSpPr>
+          <a:xfrm>
+            <a:off x="7349508" y="2407191"/>
+            <a:ext cx="634701" cy="2509067"/>
+            <a:chOff x="7047565" y="3166142"/>
+            <a:chExt cx="634701" cy="2472656"/>
+          </a:xfrm>
+        </p:grpSpPr>
+        <p:sp>
+          <p:nvSpPr>
+            <p:cNvPr id="73" name="Rectangle 72">
+              <a:extLst>
+                <a:ext uri="{FF2B5EF4-FFF2-40B4-BE49-F238E27FC236}">
+                  <a16:creationId xmlns:a16="http://schemas.microsoft.com/office/drawing/2014/main" id="{0C00B94D-DE8C-4ECF-B957-E2A9CCEA1907}"/>
+                </a:ext>
+              </a:extLst>
+            </p:cNvPr>
+            <p:cNvSpPr/>
+            <p:nvPr/>
+          </p:nvSpPr>
+          <p:spPr>
+            <a:xfrm>
+              <a:off x="7047565" y="3172270"/>
+              <a:ext cx="634701" cy="2466528"/>
+            </a:xfrm>
+            <a:prstGeom prst="rect">
+              <a:avLst/>
+            </a:prstGeom>
+            <a:solidFill>
+              <a:srgbClr val="FFFF00"/>
+            </a:solidFill>
+            <a:ln w="38100">
+              <a:solidFill>
+                <a:srgbClr val="00B0F0"/>
+              </a:solidFill>
+            </a:ln>
+          </p:spPr>
+          <p:style>
+            <a:lnRef idx="2">
+              <a:schemeClr val="accent1">
+                <a:shade val="50000"/>
+              </a:schemeClr>
+            </a:lnRef>
+            <a:fillRef idx="1">
+              <a:schemeClr val="accent1"/>
+            </a:fillRef>
+            <a:effectRef idx="0">
+              <a:schemeClr val="accent1"/>
+            </a:effectRef>
+            <a:fontRef idx="minor">
+              <a:schemeClr val="lt1"/>
+            </a:fontRef>
+          </p:style>
+          <p:txBody>
+            <a:bodyPr rtlCol="0" anchor="ctr"/>
+            <a:lstStyle/>
+            <a:p>
+              <a:pPr algn="ctr"/>
+              <a:endParaRPr lang="en-US"/>
+            </a:p>
+          </p:txBody>
+        </p:sp>
+        <p:sp>
+          <p:nvSpPr>
+            <p:cNvPr id="74" name="TextBox 73">
+              <a:extLst>
+                <a:ext uri="{FF2B5EF4-FFF2-40B4-BE49-F238E27FC236}">
+                  <a16:creationId xmlns:a16="http://schemas.microsoft.com/office/drawing/2014/main" id="{BB738E61-3F80-437F-9423-E545103884EA}"/>
+                </a:ext>
+              </a:extLst>
+            </p:cNvPr>
+            <p:cNvSpPr txBox="1"/>
+            <p:nvPr/>
+          </p:nvSpPr>
+          <p:spPr>
+            <a:xfrm rot="16200000">
+              <a:off x="6131652" y="4137796"/>
+              <a:ext cx="2466528" cy="523220"/>
+            </a:xfrm>
+            <a:prstGeom prst="rect">
+              <a:avLst/>
+            </a:prstGeom>
+            <a:noFill/>
+          </p:spPr>
+          <p:txBody>
+            <a:bodyPr wrap="square" rtlCol="0">
+              <a:spAutoFit/>
+            </a:bodyPr>
+            <a:lstStyle/>
+            <a:p>
+              <a:pPr algn="ctr"/>
+              <a:r>
+                <a:rPr lang="en-US" sz="2800" b="1" dirty="0">
+                  <a:solidFill>
+                    <a:schemeClr val="bg1"/>
+                  </a:solidFill>
+                </a:rPr>
+                <a:t>Reshape</a:t>
+              </a:r>
+              <a:endParaRPr lang="en-US" sz="2800" dirty="0">
+                <a:solidFill>
+                  <a:schemeClr val="bg1"/>
+                </a:solidFill>
+              </a:endParaRPr>
+            </a:p>
+          </p:txBody>
+        </p:sp>
+      </p:grpSp>
+      <p:grpSp>
+        <p:nvGrpSpPr>
+          <p:cNvPr id="75" name="Group 74">
+            <a:extLst>
+              <a:ext uri="{FF2B5EF4-FFF2-40B4-BE49-F238E27FC236}">
+                <a16:creationId xmlns:a16="http://schemas.microsoft.com/office/drawing/2014/main" id="{A2CCA25E-0FD1-4473-A5DA-CA028E256354}"/>
+              </a:ext>
+            </a:extLst>
+          </p:cNvPr>
+          <p:cNvGrpSpPr/>
+          <p:nvPr/>
+        </p:nvGrpSpPr>
+        <p:grpSpPr>
+          <a:xfrm>
+            <a:off x="8194472" y="2386519"/>
+            <a:ext cx="634701" cy="2529739"/>
+            <a:chOff x="7953645" y="3147258"/>
+            <a:chExt cx="634701" cy="2496509"/>
+          </a:xfrm>
+        </p:grpSpPr>
+        <p:sp>
+          <p:nvSpPr>
+            <p:cNvPr id="76" name="Rectangle 75">
+              <a:extLst>
+                <a:ext uri="{FF2B5EF4-FFF2-40B4-BE49-F238E27FC236}">
+                  <a16:creationId xmlns:a16="http://schemas.microsoft.com/office/drawing/2014/main" id="{FE31A05C-06C2-4556-8B70-EDFF429F59AF}"/>
+                </a:ext>
+              </a:extLst>
+            </p:cNvPr>
+            <p:cNvSpPr/>
+            <p:nvPr/>
+          </p:nvSpPr>
+          <p:spPr>
+            <a:xfrm>
+              <a:off x="7953645" y="3177239"/>
+              <a:ext cx="634701" cy="2466528"/>
+            </a:xfrm>
+            <a:prstGeom prst="rect">
+              <a:avLst/>
+            </a:prstGeom>
+            <a:solidFill>
+              <a:srgbClr val="FF99FF"/>
+            </a:solidFill>
+            <a:ln w="38100">
+              <a:solidFill>
+                <a:srgbClr val="FF0000"/>
+              </a:solidFill>
+            </a:ln>
+          </p:spPr>
+          <p:style>
+            <a:lnRef idx="2">
+              <a:schemeClr val="accent1">
+                <a:shade val="50000"/>
+              </a:schemeClr>
+            </a:lnRef>
+            <a:fillRef idx="1">
+              <a:schemeClr val="accent1"/>
+            </a:fillRef>
+            <a:effectRef idx="0">
+              <a:schemeClr val="accent1"/>
+            </a:effectRef>
+            <a:fontRef idx="minor">
+              <a:schemeClr val="lt1"/>
+            </a:fontRef>
+          </p:style>
+          <p:txBody>
+            <a:bodyPr rtlCol="0" anchor="ctr"/>
+            <a:lstStyle/>
+            <a:p>
+              <a:pPr algn="ctr"/>
+              <a:endParaRPr lang="en-US"/>
+            </a:p>
+          </p:txBody>
+        </p:sp>
+        <p:sp>
+          <p:nvSpPr>
+            <p:cNvPr id="77" name="TextBox 76">
+              <a:extLst>
+                <a:ext uri="{FF2B5EF4-FFF2-40B4-BE49-F238E27FC236}">
+                  <a16:creationId xmlns:a16="http://schemas.microsoft.com/office/drawing/2014/main" id="{E83D4E29-7B32-4F20-83BD-0626EF051B35}"/>
+                </a:ext>
+              </a:extLst>
+            </p:cNvPr>
+            <p:cNvSpPr txBox="1"/>
+            <p:nvPr/>
+          </p:nvSpPr>
+          <p:spPr>
+            <a:xfrm rot="16200000">
+              <a:off x="7037731" y="4149689"/>
+              <a:ext cx="2466528" cy="461665"/>
+            </a:xfrm>
+            <a:prstGeom prst="rect">
+              <a:avLst/>
+            </a:prstGeom>
+            <a:noFill/>
+          </p:spPr>
+          <p:txBody>
+            <a:bodyPr wrap="square" rtlCol="0">
+              <a:spAutoFit/>
+            </a:bodyPr>
+            <a:lstStyle/>
+            <a:p>
+              <a:pPr algn="ctr"/>
+              <a:r>
+                <a:rPr lang="en-US" sz="2400" b="1" dirty="0">
+                  <a:solidFill>
+                    <a:schemeClr val="bg1"/>
+                  </a:solidFill>
+                </a:rPr>
+                <a:t>FC1 – </a:t>
+              </a:r>
+              <a:r>
+                <a:rPr lang="en-US" sz="2400" b="1" dirty="0" err="1">
+                  <a:solidFill>
+                    <a:schemeClr val="bg1"/>
+                  </a:solidFill>
+                </a:rPr>
+                <a:t>ReLU</a:t>
+              </a:r>
+              <a:r>
+                <a:rPr lang="en-US" sz="2400" b="1" dirty="0">
+                  <a:solidFill>
+                    <a:schemeClr val="bg1"/>
+                  </a:solidFill>
+                </a:rPr>
+                <a:t> – 512 </a:t>
+              </a:r>
+              <a:endParaRPr lang="en-US" sz="2400" dirty="0">
+                <a:solidFill>
+                  <a:schemeClr val="bg1"/>
+                </a:solidFill>
+              </a:endParaRPr>
+            </a:p>
+          </p:txBody>
+        </p:sp>
+      </p:grpSp>
+      <p:grpSp>
+        <p:nvGrpSpPr>
+          <p:cNvPr id="78" name="Group 77">
+            <a:extLst>
+              <a:ext uri="{FF2B5EF4-FFF2-40B4-BE49-F238E27FC236}">
+                <a16:creationId xmlns:a16="http://schemas.microsoft.com/office/drawing/2014/main" id="{AE6E8F36-C83B-4D28-8328-A9FB688391C5}"/>
+              </a:ext>
+            </a:extLst>
+          </p:cNvPr>
+          <p:cNvGrpSpPr/>
+          <p:nvPr/>
+        </p:nvGrpSpPr>
+        <p:grpSpPr>
+          <a:xfrm>
+            <a:off x="9004361" y="2386530"/>
+            <a:ext cx="634701" cy="2496510"/>
+            <a:chOff x="7953645" y="3147257"/>
+            <a:chExt cx="634701" cy="2496510"/>
+          </a:xfrm>
+        </p:grpSpPr>
+        <p:sp>
+          <p:nvSpPr>
+            <p:cNvPr id="79" name="Rectangle 78">
+              <a:extLst>
+                <a:ext uri="{FF2B5EF4-FFF2-40B4-BE49-F238E27FC236}">
+                  <a16:creationId xmlns:a16="http://schemas.microsoft.com/office/drawing/2014/main" id="{60AFBE7A-7A99-41F1-A542-552B8440DD40}"/>
+                </a:ext>
+              </a:extLst>
+            </p:cNvPr>
+            <p:cNvSpPr/>
+            <p:nvPr/>
+          </p:nvSpPr>
+          <p:spPr>
+            <a:xfrm>
+              <a:off x="7953645" y="3177239"/>
+              <a:ext cx="634701" cy="2466528"/>
+            </a:xfrm>
+            <a:prstGeom prst="rect">
+              <a:avLst/>
+            </a:prstGeom>
+            <a:solidFill>
+              <a:srgbClr val="92D050"/>
+            </a:solidFill>
+            <a:ln w="38100">
+              <a:solidFill>
+                <a:srgbClr val="F414D9"/>
+              </a:solidFill>
+            </a:ln>
+          </p:spPr>
+          <p:style>
+            <a:lnRef idx="2">
+              <a:schemeClr val="accent1">
+                <a:shade val="50000"/>
+              </a:schemeClr>
+            </a:lnRef>
+            <a:fillRef idx="1">
+              <a:schemeClr val="accent1"/>
+            </a:fillRef>
+            <a:effectRef idx="0">
+              <a:schemeClr val="accent1"/>
+            </a:effectRef>
+            <a:fontRef idx="minor">
+              <a:schemeClr val="lt1"/>
+            </a:fontRef>
+          </p:style>
+          <p:txBody>
+            <a:bodyPr rtlCol="0" anchor="ctr"/>
+            <a:lstStyle/>
+            <a:p>
+              <a:pPr algn="ctr"/>
+              <a:endParaRPr lang="en-US"/>
+            </a:p>
+          </p:txBody>
+        </p:sp>
+        <p:sp>
+          <p:nvSpPr>
+            <p:cNvPr id="80" name="TextBox 79">
+              <a:extLst>
+                <a:ext uri="{FF2B5EF4-FFF2-40B4-BE49-F238E27FC236}">
+                  <a16:creationId xmlns:a16="http://schemas.microsoft.com/office/drawing/2014/main" id="{9163E3A5-3A57-4E4F-9AC9-6FD0DFC35C5D}"/>
+                </a:ext>
+              </a:extLst>
+            </p:cNvPr>
+            <p:cNvSpPr txBox="1"/>
+            <p:nvPr/>
+          </p:nvSpPr>
+          <p:spPr>
+            <a:xfrm rot="16200000">
+              <a:off x="7037731" y="4180466"/>
+              <a:ext cx="2466528" cy="400110"/>
+            </a:xfrm>
+            <a:prstGeom prst="rect">
+              <a:avLst/>
+            </a:prstGeom>
+            <a:noFill/>
+          </p:spPr>
+          <p:txBody>
+            <a:bodyPr wrap="square" rtlCol="0">
+              <a:spAutoFit/>
+            </a:bodyPr>
+            <a:lstStyle/>
+            <a:p>
+              <a:pPr algn="ctr"/>
+              <a:r>
+                <a:rPr lang="en-US" sz="2000" b="1" dirty="0">
+                  <a:solidFill>
+                    <a:schemeClr val="bg1"/>
+                  </a:solidFill>
+                </a:rPr>
+                <a:t>Dropout – 0.5 prop</a:t>
+              </a:r>
+              <a:endParaRPr lang="en-US" sz="2000" dirty="0">
+                <a:solidFill>
+                  <a:schemeClr val="bg1"/>
+                </a:solidFill>
+              </a:endParaRPr>
+            </a:p>
+          </p:txBody>
+        </p:sp>
+      </p:grpSp>
+      <p:grpSp>
+        <p:nvGrpSpPr>
+          <p:cNvPr id="81" name="Group 80">
+            <a:extLst>
+              <a:ext uri="{FF2B5EF4-FFF2-40B4-BE49-F238E27FC236}">
+                <a16:creationId xmlns:a16="http://schemas.microsoft.com/office/drawing/2014/main" id="{1CF9033E-E87A-4EEB-8F3F-E1E0A21E071F}"/>
+              </a:ext>
+            </a:extLst>
+          </p:cNvPr>
+          <p:cNvGrpSpPr/>
+          <p:nvPr/>
+        </p:nvGrpSpPr>
+        <p:grpSpPr>
+          <a:xfrm>
+            <a:off x="9835655" y="2388236"/>
+            <a:ext cx="634701" cy="2496509"/>
+            <a:chOff x="7953645" y="3147258"/>
+            <a:chExt cx="634701" cy="2496509"/>
+          </a:xfrm>
+        </p:grpSpPr>
+        <p:sp>
+          <p:nvSpPr>
+            <p:cNvPr id="82" name="Rectangle 81">
+              <a:extLst>
+                <a:ext uri="{FF2B5EF4-FFF2-40B4-BE49-F238E27FC236}">
+                  <a16:creationId xmlns:a16="http://schemas.microsoft.com/office/drawing/2014/main" id="{AE389227-BD52-4010-BBAC-FBB51D190FE2}"/>
+                </a:ext>
+              </a:extLst>
+            </p:cNvPr>
+            <p:cNvSpPr/>
+            <p:nvPr/>
+          </p:nvSpPr>
+          <p:spPr>
+            <a:xfrm>
+              <a:off x="7953645" y="3177239"/>
+              <a:ext cx="634701" cy="2466528"/>
+            </a:xfrm>
+            <a:prstGeom prst="rect">
+              <a:avLst/>
+            </a:prstGeom>
+            <a:solidFill>
+              <a:srgbClr val="FF99FF"/>
+            </a:solidFill>
+            <a:ln w="38100">
+              <a:solidFill>
+                <a:srgbClr val="FF0000"/>
+              </a:solidFill>
+            </a:ln>
+          </p:spPr>
+          <p:style>
+            <a:lnRef idx="2">
+              <a:schemeClr val="accent1">
+                <a:shade val="50000"/>
+              </a:schemeClr>
+            </a:lnRef>
+            <a:fillRef idx="1">
+              <a:schemeClr val="accent1"/>
+            </a:fillRef>
+            <a:effectRef idx="0">
+              <a:schemeClr val="accent1"/>
+            </a:effectRef>
+            <a:fontRef idx="minor">
+              <a:schemeClr val="lt1"/>
+            </a:fontRef>
+          </p:style>
+          <p:txBody>
+            <a:bodyPr rtlCol="0" anchor="ctr"/>
+            <a:lstStyle/>
+            <a:p>
+              <a:pPr algn="ctr"/>
+              <a:endParaRPr lang="en-US"/>
+            </a:p>
+          </p:txBody>
+        </p:sp>
+        <p:sp>
+          <p:nvSpPr>
+            <p:cNvPr id="83" name="TextBox 82">
+              <a:extLst>
+                <a:ext uri="{FF2B5EF4-FFF2-40B4-BE49-F238E27FC236}">
+                  <a16:creationId xmlns:a16="http://schemas.microsoft.com/office/drawing/2014/main" id="{12A666EC-0DFD-4C73-8455-67B493124E4B}"/>
+                </a:ext>
+              </a:extLst>
+            </p:cNvPr>
+            <p:cNvSpPr txBox="1"/>
+            <p:nvPr/>
+          </p:nvSpPr>
+          <p:spPr>
+            <a:xfrm rot="16200000">
+              <a:off x="7037731" y="4149689"/>
+              <a:ext cx="2466528" cy="461665"/>
+            </a:xfrm>
+            <a:prstGeom prst="rect">
+              <a:avLst/>
+            </a:prstGeom>
+            <a:noFill/>
+          </p:spPr>
+          <p:txBody>
+            <a:bodyPr wrap="square" rtlCol="0">
+              <a:spAutoFit/>
+            </a:bodyPr>
+            <a:lstStyle/>
+            <a:p>
+              <a:pPr algn="ctr"/>
+              <a:r>
+                <a:rPr lang="en-US" sz="2400" b="1" dirty="0">
+                  <a:solidFill>
+                    <a:schemeClr val="bg1"/>
+                  </a:solidFill>
+                </a:rPr>
+                <a:t>FC2 – </a:t>
+              </a:r>
+              <a:r>
+                <a:rPr lang="en-US" sz="2400" b="1" dirty="0" err="1">
+                  <a:solidFill>
+                    <a:schemeClr val="bg1"/>
+                  </a:solidFill>
+                </a:rPr>
+                <a:t>ReLU</a:t>
+              </a:r>
+              <a:r>
+                <a:rPr lang="en-US" sz="2400" b="1" dirty="0">
+                  <a:solidFill>
+                    <a:schemeClr val="bg1"/>
+                  </a:solidFill>
+                </a:rPr>
+                <a:t> – 256 </a:t>
+              </a:r>
+              <a:endParaRPr lang="en-US" sz="2400" dirty="0">
+                <a:solidFill>
+                  <a:schemeClr val="bg1"/>
+                </a:solidFill>
+              </a:endParaRPr>
+            </a:p>
+          </p:txBody>
+        </p:sp>
+      </p:grpSp>
+      <p:grpSp>
+        <p:nvGrpSpPr>
+          <p:cNvPr id="84" name="Group 83">
+            <a:extLst>
+              <a:ext uri="{FF2B5EF4-FFF2-40B4-BE49-F238E27FC236}">
+                <a16:creationId xmlns:a16="http://schemas.microsoft.com/office/drawing/2014/main" id="{39E2A569-3E14-48DB-97B6-32E1D9F7D4D7}"/>
+              </a:ext>
+            </a:extLst>
+          </p:cNvPr>
+          <p:cNvGrpSpPr/>
+          <p:nvPr/>
+        </p:nvGrpSpPr>
+        <p:grpSpPr>
+          <a:xfrm>
+            <a:off x="10668108" y="2387370"/>
+            <a:ext cx="634701" cy="2496510"/>
+            <a:chOff x="7953645" y="3147257"/>
+            <a:chExt cx="634701" cy="2496510"/>
+          </a:xfrm>
+        </p:grpSpPr>
+        <p:sp>
+          <p:nvSpPr>
+            <p:cNvPr id="85" name="Rectangle 84">
+              <a:extLst>
+                <a:ext uri="{FF2B5EF4-FFF2-40B4-BE49-F238E27FC236}">
+                  <a16:creationId xmlns:a16="http://schemas.microsoft.com/office/drawing/2014/main" id="{2638BEF8-D91B-4E1A-B8D2-BA4DAF6719ED}"/>
+                </a:ext>
+              </a:extLst>
+            </p:cNvPr>
+            <p:cNvSpPr/>
+            <p:nvPr/>
+          </p:nvSpPr>
+          <p:spPr>
+            <a:xfrm>
+              <a:off x="7953645" y="3177239"/>
+              <a:ext cx="634701" cy="2466528"/>
+            </a:xfrm>
+            <a:prstGeom prst="rect">
+              <a:avLst/>
+            </a:prstGeom>
+            <a:solidFill>
+              <a:srgbClr val="92D050"/>
+            </a:solidFill>
+            <a:ln w="38100">
+              <a:solidFill>
+                <a:srgbClr val="F414D9"/>
+              </a:solidFill>
+            </a:ln>
+          </p:spPr>
+          <p:style>
+            <a:lnRef idx="2">
+              <a:schemeClr val="accent1">
+                <a:shade val="50000"/>
+              </a:schemeClr>
+            </a:lnRef>
+            <a:fillRef idx="1">
+              <a:schemeClr val="accent1"/>
+            </a:fillRef>
+            <a:effectRef idx="0">
+              <a:schemeClr val="accent1"/>
+            </a:effectRef>
+            <a:fontRef idx="minor">
+              <a:schemeClr val="lt1"/>
+            </a:fontRef>
+          </p:style>
+          <p:txBody>
+            <a:bodyPr rtlCol="0" anchor="ctr"/>
+            <a:lstStyle/>
+            <a:p>
+              <a:pPr algn="ctr"/>
+              <a:endParaRPr lang="en-US"/>
+            </a:p>
+          </p:txBody>
+        </p:sp>
+        <p:sp>
+          <p:nvSpPr>
+            <p:cNvPr id="86" name="TextBox 85">
+              <a:extLst>
+                <a:ext uri="{FF2B5EF4-FFF2-40B4-BE49-F238E27FC236}">
+                  <a16:creationId xmlns:a16="http://schemas.microsoft.com/office/drawing/2014/main" id="{6DC9D8B0-E493-4AB7-811C-B8B528F9F2E2}"/>
+                </a:ext>
+              </a:extLst>
+            </p:cNvPr>
+            <p:cNvSpPr txBox="1"/>
+            <p:nvPr/>
+          </p:nvSpPr>
+          <p:spPr>
+            <a:xfrm rot="16200000">
+              <a:off x="7037731" y="4180466"/>
+              <a:ext cx="2466528" cy="400110"/>
+            </a:xfrm>
+            <a:prstGeom prst="rect">
+              <a:avLst/>
+            </a:prstGeom>
+            <a:noFill/>
+          </p:spPr>
+          <p:txBody>
+            <a:bodyPr wrap="square" rtlCol="0">
+              <a:spAutoFit/>
+            </a:bodyPr>
+            <a:lstStyle/>
+            <a:p>
+              <a:pPr algn="ctr"/>
+              <a:r>
+                <a:rPr lang="en-US" sz="2000" b="1" dirty="0">
+                  <a:solidFill>
+                    <a:schemeClr val="bg1"/>
+                  </a:solidFill>
+                </a:rPr>
+                <a:t>Dropout – 0.5 prop</a:t>
+              </a:r>
+              <a:endParaRPr lang="en-US" sz="2000" dirty="0">
+                <a:solidFill>
+                  <a:schemeClr val="bg1"/>
+                </a:solidFill>
+              </a:endParaRPr>
+            </a:p>
+          </p:txBody>
+        </p:sp>
+      </p:grpSp>
+      <p:grpSp>
+        <p:nvGrpSpPr>
+          <p:cNvPr id="90" name="Group 89">
+            <a:extLst>
+              <a:ext uri="{FF2B5EF4-FFF2-40B4-BE49-F238E27FC236}">
+                <a16:creationId xmlns:a16="http://schemas.microsoft.com/office/drawing/2014/main" id="{02C4E3AF-2C5A-469F-A0A9-352F686D1CD4}"/>
+              </a:ext>
+            </a:extLst>
+          </p:cNvPr>
+          <p:cNvGrpSpPr/>
+          <p:nvPr/>
+        </p:nvGrpSpPr>
+        <p:grpSpPr>
+          <a:xfrm>
+            <a:off x="11510299" y="2383827"/>
+            <a:ext cx="634701" cy="2496509"/>
+            <a:chOff x="7953645" y="3147258"/>
+            <a:chExt cx="634701" cy="2496509"/>
+          </a:xfrm>
+        </p:grpSpPr>
+        <p:sp>
+          <p:nvSpPr>
+            <p:cNvPr id="91" name="Rectangle 90">
+              <a:extLst>
+                <a:ext uri="{FF2B5EF4-FFF2-40B4-BE49-F238E27FC236}">
+                  <a16:creationId xmlns:a16="http://schemas.microsoft.com/office/drawing/2014/main" id="{4A6325E8-D79F-4FEE-AE68-1EE41D34CC1E}"/>
+                </a:ext>
+              </a:extLst>
+            </p:cNvPr>
+            <p:cNvSpPr/>
+            <p:nvPr/>
+          </p:nvSpPr>
+          <p:spPr>
+            <a:xfrm>
+              <a:off x="7953645" y="3177239"/>
+              <a:ext cx="634701" cy="2466528"/>
+            </a:xfrm>
+            <a:prstGeom prst="rect">
+              <a:avLst/>
+            </a:prstGeom>
+            <a:solidFill>
+              <a:srgbClr val="FF99FF"/>
+            </a:solidFill>
+            <a:ln w="38100">
+              <a:solidFill>
+                <a:srgbClr val="FF0000"/>
+              </a:solidFill>
+            </a:ln>
+          </p:spPr>
+          <p:style>
+            <a:lnRef idx="2">
+              <a:schemeClr val="accent1">
+                <a:shade val="50000"/>
+              </a:schemeClr>
+            </a:lnRef>
+            <a:fillRef idx="1">
+              <a:schemeClr val="accent1"/>
+            </a:fillRef>
+            <a:effectRef idx="0">
+              <a:schemeClr val="accent1"/>
+            </a:effectRef>
+            <a:fontRef idx="minor">
+              <a:schemeClr val="lt1"/>
+            </a:fontRef>
+          </p:style>
+          <p:txBody>
+            <a:bodyPr rtlCol="0" anchor="ctr"/>
+            <a:lstStyle/>
+            <a:p>
+              <a:pPr algn="ctr"/>
+              <a:endParaRPr lang="en-US"/>
+            </a:p>
+          </p:txBody>
+        </p:sp>
+        <p:sp>
+          <p:nvSpPr>
+            <p:cNvPr id="92" name="TextBox 91">
+              <a:extLst>
+                <a:ext uri="{FF2B5EF4-FFF2-40B4-BE49-F238E27FC236}">
+                  <a16:creationId xmlns:a16="http://schemas.microsoft.com/office/drawing/2014/main" id="{19280CE7-B351-48FD-A7BA-5D9EA83F640D}"/>
+                </a:ext>
+              </a:extLst>
+            </p:cNvPr>
+            <p:cNvSpPr txBox="1"/>
+            <p:nvPr/>
+          </p:nvSpPr>
+          <p:spPr>
+            <a:xfrm rot="16200000">
+              <a:off x="7037731" y="4149689"/>
+              <a:ext cx="2466528" cy="461665"/>
+            </a:xfrm>
+            <a:prstGeom prst="rect">
+              <a:avLst/>
+            </a:prstGeom>
+            <a:noFill/>
+          </p:spPr>
+          <p:txBody>
+            <a:bodyPr wrap="square" rtlCol="0">
+              <a:spAutoFit/>
+            </a:bodyPr>
+            <a:lstStyle/>
+            <a:p>
+              <a:pPr algn="ctr"/>
+              <a:r>
+                <a:rPr lang="en-US" sz="2400" b="1" dirty="0">
+                  <a:solidFill>
+                    <a:schemeClr val="bg1"/>
+                  </a:solidFill>
+                </a:rPr>
+                <a:t>FC3 – </a:t>
+              </a:r>
+              <a:r>
+                <a:rPr lang="en-US" sz="2400" b="1" dirty="0" err="1">
+                  <a:solidFill>
+                    <a:schemeClr val="bg1"/>
+                  </a:solidFill>
+                </a:rPr>
+                <a:t>ReLU</a:t>
+              </a:r>
+              <a:r>
+                <a:rPr lang="en-US" sz="2400" b="1" dirty="0">
+                  <a:solidFill>
+                    <a:schemeClr val="bg1"/>
+                  </a:solidFill>
+                </a:rPr>
+                <a:t> – 40 </a:t>
+              </a:r>
+              <a:endParaRPr lang="en-US" sz="2400" dirty="0">
+                <a:solidFill>
+                  <a:schemeClr val="bg1"/>
+                </a:solidFill>
+              </a:endParaRPr>
+            </a:p>
+          </p:txBody>
+        </p:sp>
+      </p:grpSp>
+      <p:grpSp>
+        <p:nvGrpSpPr>
+          <p:cNvPr id="94" name="Group 93">
+            <a:extLst>
+              <a:ext uri="{FF2B5EF4-FFF2-40B4-BE49-F238E27FC236}">
+                <a16:creationId xmlns:a16="http://schemas.microsoft.com/office/drawing/2014/main" id="{0AEEBCED-04D1-4EC2-AB28-08753DA5F3C7}"/>
+              </a:ext>
+            </a:extLst>
+          </p:cNvPr>
+          <p:cNvGrpSpPr/>
+          <p:nvPr/>
+        </p:nvGrpSpPr>
+        <p:grpSpPr>
+          <a:xfrm>
+            <a:off x="723282" y="3118532"/>
+            <a:ext cx="967713" cy="492382"/>
+            <a:chOff x="1023525" y="2405662"/>
+            <a:chExt cx="967713" cy="492382"/>
+          </a:xfrm>
+        </p:grpSpPr>
+        <p:sp>
+          <p:nvSpPr>
+            <p:cNvPr id="95" name="Rectangle 94">
+              <a:extLst>
+                <a:ext uri="{FF2B5EF4-FFF2-40B4-BE49-F238E27FC236}">
+                  <a16:creationId xmlns:a16="http://schemas.microsoft.com/office/drawing/2014/main" id="{015C83A2-64DB-4BB0-BE88-624CD2CE0F6B}"/>
+                </a:ext>
+              </a:extLst>
+            </p:cNvPr>
+            <p:cNvSpPr/>
+            <p:nvPr/>
+          </p:nvSpPr>
+          <p:spPr>
+            <a:xfrm>
+              <a:off x="1033676" y="2405662"/>
+              <a:ext cx="952166" cy="492382"/>
+            </a:xfrm>
+            <a:prstGeom prst="rect">
+              <a:avLst/>
+            </a:prstGeom>
+            <a:solidFill>
+              <a:srgbClr val="92D050"/>
+            </a:solidFill>
+            <a:ln w="38100">
+              <a:solidFill>
+                <a:srgbClr val="00B0F0"/>
+              </a:solidFill>
+            </a:ln>
+          </p:spPr>
+          <p:style>
+            <a:lnRef idx="2">
+              <a:schemeClr val="accent1">
+                <a:shade val="50000"/>
+              </a:schemeClr>
+            </a:lnRef>
+            <a:fillRef idx="1">
+              <a:schemeClr val="accent1"/>
+            </a:fillRef>
+            <a:effectRef idx="0">
+              <a:schemeClr val="accent1"/>
+            </a:effectRef>
+            <a:fontRef idx="minor">
+              <a:schemeClr val="lt1"/>
+            </a:fontRef>
+          </p:style>
+          <p:txBody>
+            <a:bodyPr rtlCol="0" anchor="ctr"/>
+            <a:lstStyle/>
+            <a:p>
+              <a:pPr algn="ctr"/>
+              <a:endParaRPr lang="en-US"/>
+            </a:p>
+          </p:txBody>
+        </p:sp>
+        <p:sp>
+          <p:nvSpPr>
+            <p:cNvPr id="96" name="TextBox 95">
+              <a:extLst>
+                <a:ext uri="{FF2B5EF4-FFF2-40B4-BE49-F238E27FC236}">
+                  <a16:creationId xmlns:a16="http://schemas.microsoft.com/office/drawing/2014/main" id="{13674C28-9F71-4CE7-A9A9-15BDE437ADAA}"/>
+                </a:ext>
+              </a:extLst>
+            </p:cNvPr>
+            <p:cNvSpPr txBox="1"/>
+            <p:nvPr/>
+          </p:nvSpPr>
+          <p:spPr>
+            <a:xfrm>
+              <a:off x="1023525" y="2468950"/>
+              <a:ext cx="967713" cy="369332"/>
+            </a:xfrm>
+            <a:prstGeom prst="rect">
+              <a:avLst/>
+            </a:prstGeom>
+            <a:noFill/>
+          </p:spPr>
+          <p:txBody>
+            <a:bodyPr wrap="square" rtlCol="0">
+              <a:spAutoFit/>
+            </a:bodyPr>
+            <a:lstStyle/>
+            <a:p>
+              <a:r>
+                <a:rPr lang="en-US" b="1" dirty="0">
+                  <a:solidFill>
+                    <a:schemeClr val="bg1"/>
+                  </a:solidFill>
+                </a:rPr>
+                <a:t>KNN_20</a:t>
+              </a:r>
+            </a:p>
+          </p:txBody>
+        </p:sp>
+      </p:grpSp>
+      <p:grpSp>
+        <p:nvGrpSpPr>
+          <p:cNvPr id="97" name="Group 96">
+            <a:extLst>
+              <a:ext uri="{FF2B5EF4-FFF2-40B4-BE49-F238E27FC236}">
+                <a16:creationId xmlns:a16="http://schemas.microsoft.com/office/drawing/2014/main" id="{D600852D-A503-42CD-90F6-66BB4295CD22}"/>
+              </a:ext>
+            </a:extLst>
+          </p:cNvPr>
+          <p:cNvGrpSpPr/>
+          <p:nvPr/>
+        </p:nvGrpSpPr>
+        <p:grpSpPr>
+          <a:xfrm>
+            <a:off x="715765" y="3799449"/>
+            <a:ext cx="973137" cy="492382"/>
+            <a:chOff x="1012705" y="2405662"/>
+            <a:chExt cx="973137" cy="492382"/>
+          </a:xfrm>
+        </p:grpSpPr>
+        <p:sp>
+          <p:nvSpPr>
+            <p:cNvPr id="98" name="Rectangle 97">
+              <a:extLst>
+                <a:ext uri="{FF2B5EF4-FFF2-40B4-BE49-F238E27FC236}">
+                  <a16:creationId xmlns:a16="http://schemas.microsoft.com/office/drawing/2014/main" id="{388AC76B-3310-4FD7-98E0-B2561C38BFA2}"/>
+                </a:ext>
+              </a:extLst>
+            </p:cNvPr>
+            <p:cNvSpPr/>
+            <p:nvPr/>
+          </p:nvSpPr>
+          <p:spPr>
+            <a:xfrm>
+              <a:off x="1033676" y="2405662"/>
+              <a:ext cx="952166" cy="492382"/>
+            </a:xfrm>
+            <a:prstGeom prst="rect">
+              <a:avLst/>
+            </a:prstGeom>
+            <a:solidFill>
+              <a:srgbClr val="92D050"/>
+            </a:solidFill>
+            <a:ln w="38100">
+              <a:solidFill>
+                <a:srgbClr val="00B0F0"/>
+              </a:solidFill>
+            </a:ln>
+          </p:spPr>
+          <p:style>
+            <a:lnRef idx="2">
+              <a:schemeClr val="accent1">
+                <a:shade val="50000"/>
+              </a:schemeClr>
+            </a:lnRef>
+            <a:fillRef idx="1">
+              <a:schemeClr val="accent1"/>
+            </a:fillRef>
+            <a:effectRef idx="0">
+              <a:schemeClr val="accent1"/>
+            </a:effectRef>
+            <a:fontRef idx="minor">
+              <a:schemeClr val="lt1"/>
+            </a:fontRef>
+          </p:style>
+          <p:txBody>
+            <a:bodyPr rtlCol="0" anchor="ctr"/>
+            <a:lstStyle/>
+            <a:p>
+              <a:pPr algn="ctr"/>
+              <a:endParaRPr lang="en-US"/>
+            </a:p>
+          </p:txBody>
+        </p:sp>
+        <p:sp>
+          <p:nvSpPr>
+            <p:cNvPr id="99" name="TextBox 98">
+              <a:extLst>
+                <a:ext uri="{FF2B5EF4-FFF2-40B4-BE49-F238E27FC236}">
+                  <a16:creationId xmlns:a16="http://schemas.microsoft.com/office/drawing/2014/main" id="{48FD7193-531A-4591-B37D-72B2C6325697}"/>
+                </a:ext>
+              </a:extLst>
+            </p:cNvPr>
+            <p:cNvSpPr txBox="1"/>
+            <p:nvPr/>
+          </p:nvSpPr>
+          <p:spPr>
+            <a:xfrm>
+              <a:off x="1012705" y="2459369"/>
+              <a:ext cx="967713" cy="369332"/>
+            </a:xfrm>
+            <a:prstGeom prst="rect">
+              <a:avLst/>
+            </a:prstGeom>
+            <a:noFill/>
+          </p:spPr>
+          <p:txBody>
+            <a:bodyPr wrap="square" rtlCol="0">
+              <a:spAutoFit/>
+            </a:bodyPr>
+            <a:lstStyle/>
+            <a:p>
+              <a:r>
+                <a:rPr lang="en-US" b="1" dirty="0">
+                  <a:solidFill>
+                    <a:schemeClr val="bg1"/>
+                  </a:solidFill>
+                </a:rPr>
+                <a:t>KNN_30</a:t>
+              </a:r>
+            </a:p>
+          </p:txBody>
+        </p:sp>
+      </p:grpSp>
+      <p:grpSp>
+        <p:nvGrpSpPr>
+          <p:cNvPr id="100" name="Group 99">
+            <a:extLst>
+              <a:ext uri="{FF2B5EF4-FFF2-40B4-BE49-F238E27FC236}">
+                <a16:creationId xmlns:a16="http://schemas.microsoft.com/office/drawing/2014/main" id="{C355988B-7108-49C1-A5B2-CD251CE641D5}"/>
+              </a:ext>
+            </a:extLst>
+          </p:cNvPr>
+          <p:cNvGrpSpPr/>
+          <p:nvPr/>
+        </p:nvGrpSpPr>
+        <p:grpSpPr>
+          <a:xfrm>
+            <a:off x="715765" y="4429822"/>
+            <a:ext cx="972627" cy="492382"/>
+            <a:chOff x="1013215" y="2405662"/>
+            <a:chExt cx="972627" cy="492382"/>
+          </a:xfrm>
+        </p:grpSpPr>
+        <p:sp>
+          <p:nvSpPr>
+            <p:cNvPr id="101" name="Rectangle 100">
+              <a:extLst>
+                <a:ext uri="{FF2B5EF4-FFF2-40B4-BE49-F238E27FC236}">
+                  <a16:creationId xmlns:a16="http://schemas.microsoft.com/office/drawing/2014/main" id="{6C7724B2-5736-426C-8676-35E9667C74DE}"/>
+                </a:ext>
+              </a:extLst>
+            </p:cNvPr>
+            <p:cNvSpPr/>
+            <p:nvPr/>
+          </p:nvSpPr>
+          <p:spPr>
+            <a:xfrm>
+              <a:off x="1033676" y="2405662"/>
+              <a:ext cx="952166" cy="492382"/>
+            </a:xfrm>
+            <a:prstGeom prst="rect">
+              <a:avLst/>
+            </a:prstGeom>
+            <a:solidFill>
+              <a:srgbClr val="92D050"/>
+            </a:solidFill>
+            <a:ln w="38100">
+              <a:solidFill>
+                <a:srgbClr val="00B0F0"/>
+              </a:solidFill>
+            </a:ln>
+          </p:spPr>
+          <p:style>
+            <a:lnRef idx="2">
+              <a:schemeClr val="accent1">
+                <a:shade val="50000"/>
+              </a:schemeClr>
+            </a:lnRef>
+            <a:fillRef idx="1">
+              <a:schemeClr val="accent1"/>
+            </a:fillRef>
+            <a:effectRef idx="0">
+              <a:schemeClr val="accent1"/>
+            </a:effectRef>
+            <a:fontRef idx="minor">
+              <a:schemeClr val="lt1"/>
+            </a:fontRef>
+          </p:style>
+          <p:txBody>
+            <a:bodyPr rtlCol="0" anchor="ctr"/>
+            <a:lstStyle/>
+            <a:p>
+              <a:pPr algn="ctr"/>
+              <a:endParaRPr lang="en-US"/>
+            </a:p>
+          </p:txBody>
+        </p:sp>
+        <p:sp>
+          <p:nvSpPr>
+            <p:cNvPr id="102" name="TextBox 101">
+              <a:extLst>
+                <a:ext uri="{FF2B5EF4-FFF2-40B4-BE49-F238E27FC236}">
+                  <a16:creationId xmlns:a16="http://schemas.microsoft.com/office/drawing/2014/main" id="{CD7C4634-EA63-40D3-AEE5-6F35125E5317}"/>
+                </a:ext>
+              </a:extLst>
+            </p:cNvPr>
+            <p:cNvSpPr txBox="1"/>
+            <p:nvPr/>
+          </p:nvSpPr>
+          <p:spPr>
+            <a:xfrm>
+              <a:off x="1013215" y="2452449"/>
+              <a:ext cx="967713" cy="369332"/>
+            </a:xfrm>
+            <a:prstGeom prst="rect">
+              <a:avLst/>
+            </a:prstGeom>
+            <a:noFill/>
+          </p:spPr>
+          <p:txBody>
+            <a:bodyPr wrap="square" rtlCol="0">
+              <a:spAutoFit/>
+            </a:bodyPr>
+            <a:lstStyle/>
+            <a:p>
+              <a:r>
+                <a:rPr lang="en-US" b="1" dirty="0">
+                  <a:solidFill>
+                    <a:schemeClr val="bg1"/>
+                  </a:solidFill>
+                </a:rPr>
+                <a:t>KNN_40</a:t>
+              </a:r>
+            </a:p>
+          </p:txBody>
+        </p:sp>
+      </p:grpSp>
+      <p:sp>
+        <p:nvSpPr>
+          <p:cNvPr id="104" name="Rectangle 103">
+            <a:extLst>
+              <a:ext uri="{FF2B5EF4-FFF2-40B4-BE49-F238E27FC236}">
+                <a16:creationId xmlns:a16="http://schemas.microsoft.com/office/drawing/2014/main" id="{3F0DCA61-9EFC-4F75-9F82-35545BBC6310}"/>
+              </a:ext>
+            </a:extLst>
+          </p:cNvPr>
+          <p:cNvSpPr/>
+          <p:nvPr/>
+        </p:nvSpPr>
+        <p:spPr>
+          <a:xfrm>
+            <a:off x="1863187" y="3127036"/>
+            <a:ext cx="1488757" cy="492382"/>
+          </a:xfrm>
+          <a:prstGeom prst="rect">
+            <a:avLst/>
+          </a:prstGeom>
+          <a:solidFill>
+            <a:srgbClr val="FFFF00"/>
+          </a:solidFill>
+          <a:ln w="38100">
+            <a:solidFill>
+              <a:srgbClr val="00B0F0"/>
+            </a:solidFill>
+          </a:ln>
+        </p:spPr>
+        <p:style>
+          <a:lnRef idx="2">
+            <a:schemeClr val="accent1">
+              <a:shade val="50000"/>
+            </a:schemeClr>
+          </a:lnRef>
+          <a:fillRef idx="1">
+            <a:schemeClr val="accent1"/>
+          </a:fillRef>
+          <a:effectRef idx="0">
+            <a:schemeClr val="accent1"/>
+          </a:effectRef>
+          <a:fontRef idx="minor">
+            <a:schemeClr val="lt1"/>
+          </a:fontRef>
+        </p:style>
+        <p:txBody>
+          <a:bodyPr rtlCol="0" anchor="ctr"/>
+          <a:lstStyle/>
+          <a:p>
+            <a:pPr algn="ctr"/>
+            <a:endParaRPr lang="en-US"/>
+          </a:p>
+        </p:txBody>
+      </p:sp>
+      <p:sp>
+        <p:nvSpPr>
+          <p:cNvPr id="105" name="TextBox 104">
+            <a:extLst>
+              <a:ext uri="{FF2B5EF4-FFF2-40B4-BE49-F238E27FC236}">
+                <a16:creationId xmlns:a16="http://schemas.microsoft.com/office/drawing/2014/main" id="{C85A1DE0-6534-46FD-8CDD-781B46C2F236}"/>
+              </a:ext>
+            </a:extLst>
+          </p:cNvPr>
+          <p:cNvSpPr txBox="1"/>
+          <p:nvPr/>
+        </p:nvSpPr>
+        <p:spPr>
+          <a:xfrm>
+            <a:off x="1877847" y="3188561"/>
+            <a:ext cx="1474097" cy="307777"/>
+          </a:xfrm>
+          <a:prstGeom prst="rect">
+            <a:avLst/>
+          </a:prstGeom>
+          <a:noFill/>
+        </p:spPr>
+        <p:txBody>
+          <a:bodyPr wrap="square" rtlCol="0">
+            <a:spAutoFit/>
+          </a:bodyPr>
+          <a:lstStyle/>
+          <a:p>
+            <a:r>
+              <a:rPr lang="en-US" sz="1400" b="1" dirty="0">
+                <a:solidFill>
+                  <a:schemeClr val="bg1"/>
+                </a:solidFill>
+              </a:rPr>
+              <a:t>EdgeFeatures_20</a:t>
+            </a:r>
+          </a:p>
+        </p:txBody>
+      </p:sp>
+      <p:sp>
+        <p:nvSpPr>
+          <p:cNvPr id="106" name="Rectangle 105">
+            <a:extLst>
+              <a:ext uri="{FF2B5EF4-FFF2-40B4-BE49-F238E27FC236}">
+                <a16:creationId xmlns:a16="http://schemas.microsoft.com/office/drawing/2014/main" id="{6E55E685-F762-4F3F-8AC9-7A4FBA4B698E}"/>
+              </a:ext>
+            </a:extLst>
+          </p:cNvPr>
+          <p:cNvSpPr/>
+          <p:nvPr/>
+        </p:nvSpPr>
+        <p:spPr>
+          <a:xfrm>
+            <a:off x="1877847" y="3832772"/>
+            <a:ext cx="1488757" cy="492382"/>
+          </a:xfrm>
+          <a:prstGeom prst="rect">
+            <a:avLst/>
+          </a:prstGeom>
+          <a:solidFill>
+            <a:srgbClr val="FFFF00"/>
+          </a:solidFill>
+          <a:ln w="38100">
+            <a:solidFill>
+              <a:srgbClr val="00B0F0"/>
+            </a:solidFill>
+          </a:ln>
+        </p:spPr>
+        <p:style>
+          <a:lnRef idx="2">
+            <a:schemeClr val="accent1">
+              <a:shade val="50000"/>
+            </a:schemeClr>
+          </a:lnRef>
+          <a:fillRef idx="1">
+            <a:schemeClr val="accent1"/>
+          </a:fillRef>
+          <a:effectRef idx="0">
+            <a:schemeClr val="accent1"/>
+          </a:effectRef>
+          <a:fontRef idx="minor">
+            <a:schemeClr val="lt1"/>
+          </a:fontRef>
+        </p:style>
+        <p:txBody>
+          <a:bodyPr rtlCol="0" anchor="ctr"/>
+          <a:lstStyle/>
+          <a:p>
+            <a:pPr algn="ctr"/>
+            <a:endParaRPr lang="en-US"/>
+          </a:p>
+        </p:txBody>
+      </p:sp>
+      <p:sp>
+        <p:nvSpPr>
+          <p:cNvPr id="107" name="TextBox 106">
+            <a:extLst>
+              <a:ext uri="{FF2B5EF4-FFF2-40B4-BE49-F238E27FC236}">
+                <a16:creationId xmlns:a16="http://schemas.microsoft.com/office/drawing/2014/main" id="{D743B3A4-4C35-4DAE-B250-90BE4D340B45}"/>
+              </a:ext>
+            </a:extLst>
+          </p:cNvPr>
+          <p:cNvSpPr txBox="1"/>
+          <p:nvPr/>
+        </p:nvSpPr>
+        <p:spPr>
+          <a:xfrm>
+            <a:off x="1892507" y="3894297"/>
+            <a:ext cx="1553730" cy="307777"/>
+          </a:xfrm>
+          <a:prstGeom prst="rect">
+            <a:avLst/>
+          </a:prstGeom>
+          <a:noFill/>
+        </p:spPr>
+        <p:txBody>
+          <a:bodyPr wrap="square" rtlCol="0">
+            <a:spAutoFit/>
+          </a:bodyPr>
+          <a:lstStyle/>
+          <a:p>
+            <a:r>
+              <a:rPr lang="en-US" sz="1400" b="1" dirty="0">
+                <a:solidFill>
+                  <a:schemeClr val="bg1"/>
+                </a:solidFill>
+              </a:rPr>
+              <a:t>EdgeFeatures_30</a:t>
+            </a:r>
+          </a:p>
+        </p:txBody>
+      </p:sp>
+      <p:sp>
+        <p:nvSpPr>
+          <p:cNvPr id="108" name="Rectangle 107">
+            <a:extLst>
+              <a:ext uri="{FF2B5EF4-FFF2-40B4-BE49-F238E27FC236}">
+                <a16:creationId xmlns:a16="http://schemas.microsoft.com/office/drawing/2014/main" id="{D9AC0C23-E1E8-4C0D-9755-AA48EF6A9A98}"/>
+              </a:ext>
+            </a:extLst>
+          </p:cNvPr>
+          <p:cNvSpPr/>
+          <p:nvPr/>
+        </p:nvSpPr>
+        <p:spPr>
+          <a:xfrm>
+            <a:off x="1871263" y="4465261"/>
+            <a:ext cx="1488757" cy="492382"/>
+          </a:xfrm>
+          <a:prstGeom prst="rect">
+            <a:avLst/>
+          </a:prstGeom>
+          <a:solidFill>
+            <a:srgbClr val="FFFF00"/>
+          </a:solidFill>
+          <a:ln w="38100">
+            <a:solidFill>
+              <a:srgbClr val="00B0F0"/>
+            </a:solidFill>
+          </a:ln>
+        </p:spPr>
+        <p:style>
+          <a:lnRef idx="2">
+            <a:schemeClr val="accent1">
+              <a:shade val="50000"/>
+            </a:schemeClr>
+          </a:lnRef>
+          <a:fillRef idx="1">
+            <a:schemeClr val="accent1"/>
+          </a:fillRef>
+          <a:effectRef idx="0">
+            <a:schemeClr val="accent1"/>
+          </a:effectRef>
+          <a:fontRef idx="minor">
+            <a:schemeClr val="lt1"/>
+          </a:fontRef>
+        </p:style>
+        <p:txBody>
+          <a:bodyPr rtlCol="0" anchor="ctr"/>
+          <a:lstStyle/>
+          <a:p>
+            <a:pPr algn="ctr"/>
+            <a:endParaRPr lang="en-US"/>
+          </a:p>
+        </p:txBody>
+      </p:sp>
+      <p:sp>
+        <p:nvSpPr>
+          <p:cNvPr id="109" name="TextBox 108">
+            <a:extLst>
+              <a:ext uri="{FF2B5EF4-FFF2-40B4-BE49-F238E27FC236}">
+                <a16:creationId xmlns:a16="http://schemas.microsoft.com/office/drawing/2014/main" id="{837FA8B0-3B63-440E-9049-1183F256B4B8}"/>
+              </a:ext>
+            </a:extLst>
+          </p:cNvPr>
+          <p:cNvSpPr txBox="1"/>
+          <p:nvPr/>
+        </p:nvSpPr>
+        <p:spPr>
+          <a:xfrm>
+            <a:off x="1885923" y="4526786"/>
+            <a:ext cx="1484878" cy="307777"/>
+          </a:xfrm>
+          <a:prstGeom prst="rect">
+            <a:avLst/>
+          </a:prstGeom>
+          <a:noFill/>
+        </p:spPr>
+        <p:txBody>
+          <a:bodyPr wrap="square" rtlCol="0">
+            <a:spAutoFit/>
+          </a:bodyPr>
+          <a:lstStyle/>
+          <a:p>
+            <a:r>
+              <a:rPr lang="en-US" sz="1400" b="1" dirty="0">
+                <a:solidFill>
+                  <a:schemeClr val="bg1"/>
+                </a:solidFill>
+              </a:rPr>
+              <a:t>EdgeFeatures_40</a:t>
+            </a:r>
+          </a:p>
+        </p:txBody>
+      </p:sp>
+      <p:cxnSp>
+        <p:nvCxnSpPr>
+          <p:cNvPr id="118" name="Straight Arrow Connector 117">
+            <a:extLst>
+              <a:ext uri="{FF2B5EF4-FFF2-40B4-BE49-F238E27FC236}">
+                <a16:creationId xmlns:a16="http://schemas.microsoft.com/office/drawing/2014/main" id="{F0F12E99-3F66-4A82-9DB0-D992DA5B1287}"/>
+              </a:ext>
+            </a:extLst>
+          </p:cNvPr>
+          <p:cNvCxnSpPr>
+            <a:stCxn id="3" idx="3"/>
+            <a:endCxn id="10" idx="1"/>
+          </p:cNvCxnSpPr>
+          <p:nvPr/>
+        </p:nvCxnSpPr>
+        <p:spPr>
+          <a:xfrm flipV="1">
+            <a:off x="491600" y="2652322"/>
+            <a:ext cx="264916" cy="985368"/>
+          </a:xfrm>
+          <a:prstGeom prst="straightConnector1">
+            <a:avLst/>
+          </a:prstGeom>
+          <a:ln w="28575">
+            <a:solidFill>
+              <a:schemeClr val="tx1"/>
+            </a:solidFill>
+            <a:tailEnd type="triangle"/>
+          </a:ln>
+        </p:spPr>
+        <p:style>
+          <a:lnRef idx="1">
+            <a:schemeClr val="accent1"/>
+          </a:lnRef>
+          <a:fillRef idx="0">
+            <a:schemeClr val="accent1"/>
+          </a:fillRef>
+          <a:effectRef idx="0">
+            <a:schemeClr val="accent1"/>
+          </a:effectRef>
+          <a:fontRef idx="minor">
+            <a:schemeClr val="tx1"/>
+          </a:fontRef>
+        </p:style>
+      </p:cxnSp>
+      <p:cxnSp>
+        <p:nvCxnSpPr>
+          <p:cNvPr id="119" name="Straight Arrow Connector 118">
+            <a:extLst>
+              <a:ext uri="{FF2B5EF4-FFF2-40B4-BE49-F238E27FC236}">
+                <a16:creationId xmlns:a16="http://schemas.microsoft.com/office/drawing/2014/main" id="{CA751479-14CF-41AA-A0AD-C9D51ECAFF14}"/>
+              </a:ext>
+            </a:extLst>
+          </p:cNvPr>
+          <p:cNvCxnSpPr>
+            <a:cxnSpLocks/>
+            <a:stCxn id="3" idx="3"/>
+            <a:endCxn id="96" idx="1"/>
+          </p:cNvCxnSpPr>
+          <p:nvPr/>
+        </p:nvCxnSpPr>
+        <p:spPr>
+          <a:xfrm flipV="1">
+            <a:off x="491600" y="3366486"/>
+            <a:ext cx="231682" cy="271204"/>
+          </a:xfrm>
+          <a:prstGeom prst="straightConnector1">
+            <a:avLst/>
+          </a:prstGeom>
+          <a:ln w="28575">
+            <a:solidFill>
+              <a:schemeClr val="tx1"/>
+            </a:solidFill>
+            <a:tailEnd type="triangle"/>
+          </a:ln>
+        </p:spPr>
+        <p:style>
+          <a:lnRef idx="1">
+            <a:schemeClr val="accent1"/>
+          </a:lnRef>
+          <a:fillRef idx="0">
+            <a:schemeClr val="accent1"/>
+          </a:fillRef>
+          <a:effectRef idx="0">
+            <a:schemeClr val="accent1"/>
+          </a:effectRef>
+          <a:fontRef idx="minor">
+            <a:schemeClr val="tx1"/>
+          </a:fontRef>
+        </p:style>
+      </p:cxnSp>
+      <p:cxnSp>
+        <p:nvCxnSpPr>
+          <p:cNvPr id="122" name="Straight Arrow Connector 121">
+            <a:extLst>
+              <a:ext uri="{FF2B5EF4-FFF2-40B4-BE49-F238E27FC236}">
+                <a16:creationId xmlns:a16="http://schemas.microsoft.com/office/drawing/2014/main" id="{38F89A58-5E8C-4097-A997-A4D8E5B61010}"/>
+              </a:ext>
+            </a:extLst>
+          </p:cNvPr>
+          <p:cNvCxnSpPr>
+            <a:cxnSpLocks/>
+            <a:stCxn id="3" idx="3"/>
+            <a:endCxn id="99" idx="1"/>
+          </p:cNvCxnSpPr>
+          <p:nvPr/>
+        </p:nvCxnSpPr>
+        <p:spPr>
+          <a:xfrm>
+            <a:off x="491600" y="3637690"/>
+            <a:ext cx="224165" cy="400132"/>
+          </a:xfrm>
+          <a:prstGeom prst="straightConnector1">
+            <a:avLst/>
+          </a:prstGeom>
+          <a:ln w="28575">
+            <a:solidFill>
+              <a:schemeClr val="tx1"/>
+            </a:solidFill>
+            <a:tailEnd type="triangle"/>
+          </a:ln>
+        </p:spPr>
+        <p:style>
+          <a:lnRef idx="1">
+            <a:schemeClr val="accent1"/>
+          </a:lnRef>
+          <a:fillRef idx="0">
+            <a:schemeClr val="accent1"/>
+          </a:fillRef>
+          <a:effectRef idx="0">
+            <a:schemeClr val="accent1"/>
+          </a:effectRef>
+          <a:fontRef idx="minor">
+            <a:schemeClr val="tx1"/>
+          </a:fontRef>
+        </p:style>
+      </p:cxnSp>
+      <p:cxnSp>
+        <p:nvCxnSpPr>
+          <p:cNvPr id="125" name="Straight Arrow Connector 124">
+            <a:extLst>
+              <a:ext uri="{FF2B5EF4-FFF2-40B4-BE49-F238E27FC236}">
+                <a16:creationId xmlns:a16="http://schemas.microsoft.com/office/drawing/2014/main" id="{D7D36A38-7C26-48B7-971E-450EB0AFD390}"/>
+              </a:ext>
+            </a:extLst>
+          </p:cNvPr>
+          <p:cNvCxnSpPr>
+            <a:cxnSpLocks/>
+            <a:stCxn id="3" idx="3"/>
+            <a:endCxn id="102" idx="1"/>
+          </p:cNvCxnSpPr>
+          <p:nvPr/>
+        </p:nvCxnSpPr>
+        <p:spPr>
+          <a:xfrm>
+            <a:off x="491600" y="3637690"/>
+            <a:ext cx="224165" cy="1023585"/>
+          </a:xfrm>
+          <a:prstGeom prst="straightConnector1">
+            <a:avLst/>
+          </a:prstGeom>
+          <a:ln w="28575">
+            <a:solidFill>
+              <a:schemeClr val="tx1"/>
+            </a:solidFill>
+            <a:tailEnd type="triangle"/>
+          </a:ln>
+        </p:spPr>
+        <p:style>
+          <a:lnRef idx="1">
+            <a:schemeClr val="accent1"/>
+          </a:lnRef>
+          <a:fillRef idx="0">
+            <a:schemeClr val="accent1"/>
+          </a:fillRef>
+          <a:effectRef idx="0">
+            <a:schemeClr val="accent1"/>
+          </a:effectRef>
+          <a:fontRef idx="minor">
+            <a:schemeClr val="tx1"/>
+          </a:fontRef>
+        </p:style>
+      </p:cxnSp>
+      <p:cxnSp>
+        <p:nvCxnSpPr>
+          <p:cNvPr id="128" name="Straight Arrow Connector 127">
+            <a:extLst>
+              <a:ext uri="{FF2B5EF4-FFF2-40B4-BE49-F238E27FC236}">
+                <a16:creationId xmlns:a16="http://schemas.microsoft.com/office/drawing/2014/main" id="{52504EC2-AC18-4E70-9348-3EC82EA91C6B}"/>
+              </a:ext>
+            </a:extLst>
+          </p:cNvPr>
+          <p:cNvCxnSpPr>
+            <a:cxnSpLocks/>
+            <a:stCxn id="10" idx="3"/>
+            <a:endCxn id="21" idx="1"/>
+          </p:cNvCxnSpPr>
+          <p:nvPr/>
+        </p:nvCxnSpPr>
+        <p:spPr>
+          <a:xfrm>
+            <a:off x="1724229" y="2652322"/>
+            <a:ext cx="151337" cy="2055"/>
+          </a:xfrm>
+          <a:prstGeom prst="straightConnector1">
+            <a:avLst/>
+          </a:prstGeom>
+          <a:ln w="28575">
+            <a:solidFill>
+              <a:schemeClr val="accent3">
+                <a:lumMod val="20000"/>
+                <a:lumOff val="80000"/>
+              </a:schemeClr>
+            </a:solidFill>
+            <a:tailEnd type="triangle"/>
+          </a:ln>
+        </p:spPr>
+        <p:style>
+          <a:lnRef idx="1">
+            <a:schemeClr val="accent1"/>
+          </a:lnRef>
+          <a:fillRef idx="0">
+            <a:schemeClr val="accent1"/>
+          </a:fillRef>
+          <a:effectRef idx="0">
+            <a:schemeClr val="accent1"/>
+          </a:effectRef>
+          <a:fontRef idx="minor">
+            <a:schemeClr val="tx1"/>
+          </a:fontRef>
+        </p:style>
+      </p:cxnSp>
+      <p:cxnSp>
+        <p:nvCxnSpPr>
+          <p:cNvPr id="133" name="Straight Arrow Connector 132">
+            <a:extLst>
+              <a:ext uri="{FF2B5EF4-FFF2-40B4-BE49-F238E27FC236}">
+                <a16:creationId xmlns:a16="http://schemas.microsoft.com/office/drawing/2014/main" id="{AB1A6E84-B5F4-47D2-9995-F1C34BD30687}"/>
+              </a:ext>
+            </a:extLst>
+          </p:cNvPr>
+          <p:cNvCxnSpPr>
+            <a:cxnSpLocks/>
+            <a:stCxn id="95" idx="3"/>
+            <a:endCxn id="104" idx="1"/>
+          </p:cNvCxnSpPr>
+          <p:nvPr/>
+        </p:nvCxnSpPr>
+        <p:spPr>
+          <a:xfrm>
+            <a:off x="1685599" y="3364723"/>
+            <a:ext cx="177588" cy="8504"/>
+          </a:xfrm>
+          <a:prstGeom prst="straightConnector1">
+            <a:avLst/>
+          </a:prstGeom>
+          <a:ln w="28575">
+            <a:solidFill>
+              <a:schemeClr val="accent3">
+                <a:lumMod val="20000"/>
+                <a:lumOff val="80000"/>
+              </a:schemeClr>
+            </a:solidFill>
+            <a:tailEnd type="triangle"/>
+          </a:ln>
+        </p:spPr>
+        <p:style>
+          <a:lnRef idx="1">
+            <a:schemeClr val="accent1"/>
+          </a:lnRef>
+          <a:fillRef idx="0">
+            <a:schemeClr val="accent1"/>
+          </a:fillRef>
+          <a:effectRef idx="0">
+            <a:schemeClr val="accent1"/>
+          </a:effectRef>
+          <a:fontRef idx="minor">
+            <a:schemeClr val="tx1"/>
+          </a:fontRef>
+        </p:style>
+      </p:cxnSp>
+      <p:cxnSp>
+        <p:nvCxnSpPr>
+          <p:cNvPr id="136" name="Straight Arrow Connector 135">
+            <a:extLst>
+              <a:ext uri="{FF2B5EF4-FFF2-40B4-BE49-F238E27FC236}">
+                <a16:creationId xmlns:a16="http://schemas.microsoft.com/office/drawing/2014/main" id="{58FEEA4C-353B-4257-B603-4206FE147CA6}"/>
+              </a:ext>
+            </a:extLst>
+          </p:cNvPr>
+          <p:cNvCxnSpPr>
+            <a:cxnSpLocks/>
+            <a:stCxn id="98" idx="3"/>
+            <a:endCxn id="107" idx="1"/>
+          </p:cNvCxnSpPr>
+          <p:nvPr/>
+        </p:nvCxnSpPr>
+        <p:spPr>
+          <a:xfrm>
+            <a:off x="1688902" y="4045640"/>
+            <a:ext cx="203605" cy="2546"/>
+          </a:xfrm>
+          <a:prstGeom prst="straightConnector1">
+            <a:avLst/>
+          </a:prstGeom>
+          <a:ln w="28575">
+            <a:solidFill>
+              <a:schemeClr val="accent3">
+                <a:lumMod val="20000"/>
+                <a:lumOff val="80000"/>
+              </a:schemeClr>
+            </a:solidFill>
+            <a:tailEnd type="triangle"/>
+          </a:ln>
+        </p:spPr>
+        <p:style>
+          <a:lnRef idx="1">
+            <a:schemeClr val="accent1"/>
+          </a:lnRef>
+          <a:fillRef idx="0">
+            <a:schemeClr val="accent1"/>
+          </a:fillRef>
+          <a:effectRef idx="0">
+            <a:schemeClr val="accent1"/>
+          </a:effectRef>
+          <a:fontRef idx="minor">
+            <a:schemeClr val="tx1"/>
+          </a:fontRef>
+        </p:style>
+      </p:cxnSp>
+      <p:cxnSp>
+        <p:nvCxnSpPr>
+          <p:cNvPr id="139" name="Straight Arrow Connector 138">
+            <a:extLst>
+              <a:ext uri="{FF2B5EF4-FFF2-40B4-BE49-F238E27FC236}">
+                <a16:creationId xmlns:a16="http://schemas.microsoft.com/office/drawing/2014/main" id="{CD1812C1-1DF1-4FF0-BE86-8AE241499F8D}"/>
+              </a:ext>
+            </a:extLst>
+          </p:cNvPr>
+          <p:cNvCxnSpPr>
+            <a:cxnSpLocks/>
+            <a:stCxn id="101" idx="3"/>
+            <a:endCxn id="109" idx="1"/>
+          </p:cNvCxnSpPr>
+          <p:nvPr/>
+        </p:nvCxnSpPr>
+        <p:spPr>
+          <a:xfrm>
+            <a:off x="1688392" y="4676013"/>
+            <a:ext cx="197531" cy="4662"/>
+          </a:xfrm>
+          <a:prstGeom prst="straightConnector1">
+            <a:avLst/>
+          </a:prstGeom>
+          <a:ln w="28575">
+            <a:solidFill>
+              <a:schemeClr val="accent3">
+                <a:lumMod val="20000"/>
+                <a:lumOff val="80000"/>
+              </a:schemeClr>
+            </a:solidFill>
+            <a:tailEnd type="triangle"/>
+          </a:ln>
+        </p:spPr>
+        <p:style>
+          <a:lnRef idx="1">
+            <a:schemeClr val="accent1"/>
+          </a:lnRef>
+          <a:fillRef idx="0">
+            <a:schemeClr val="accent1"/>
+          </a:fillRef>
+          <a:effectRef idx="0">
+            <a:schemeClr val="accent1"/>
+          </a:effectRef>
+          <a:fontRef idx="minor">
+            <a:schemeClr val="tx1"/>
+          </a:fontRef>
+        </p:style>
+      </p:cxnSp>
+      <p:cxnSp>
+        <p:nvCxnSpPr>
+          <p:cNvPr id="142" name="Straight Arrow Connector 141">
+            <a:extLst>
+              <a:ext uri="{FF2B5EF4-FFF2-40B4-BE49-F238E27FC236}">
+                <a16:creationId xmlns:a16="http://schemas.microsoft.com/office/drawing/2014/main" id="{94992E2A-AA50-4266-8A49-C6658EFDC768}"/>
+              </a:ext>
+            </a:extLst>
+          </p:cNvPr>
+          <p:cNvCxnSpPr>
+            <a:cxnSpLocks/>
+            <a:stCxn id="21" idx="3"/>
+            <a:endCxn id="47" idx="1"/>
+          </p:cNvCxnSpPr>
+          <p:nvPr/>
+        </p:nvCxnSpPr>
+        <p:spPr>
+          <a:xfrm>
+            <a:off x="3364323" y="2654377"/>
+            <a:ext cx="153212" cy="4763"/>
+          </a:xfrm>
+          <a:prstGeom prst="straightConnector1">
+            <a:avLst/>
+          </a:prstGeom>
+          <a:ln w="28575">
+            <a:solidFill>
+              <a:schemeClr val="accent3">
+                <a:lumMod val="20000"/>
+                <a:lumOff val="80000"/>
+              </a:schemeClr>
+            </a:solidFill>
+            <a:tailEnd type="triangle"/>
+          </a:ln>
+        </p:spPr>
+        <p:style>
+          <a:lnRef idx="1">
+            <a:schemeClr val="accent1"/>
+          </a:lnRef>
+          <a:fillRef idx="0">
+            <a:schemeClr val="accent1"/>
+          </a:fillRef>
+          <a:effectRef idx="0">
+            <a:schemeClr val="accent1"/>
+          </a:effectRef>
+          <a:fontRef idx="minor">
+            <a:schemeClr val="tx1"/>
+          </a:fontRef>
+        </p:style>
+      </p:cxnSp>
+      <p:cxnSp>
+        <p:nvCxnSpPr>
+          <p:cNvPr id="145" name="Straight Arrow Connector 144">
+            <a:extLst>
+              <a:ext uri="{FF2B5EF4-FFF2-40B4-BE49-F238E27FC236}">
+                <a16:creationId xmlns:a16="http://schemas.microsoft.com/office/drawing/2014/main" id="{019DF95A-FA22-49B0-9C0F-F1C4499DB72D}"/>
+              </a:ext>
+            </a:extLst>
+          </p:cNvPr>
+          <p:cNvCxnSpPr>
+            <a:cxnSpLocks/>
+            <a:stCxn id="104" idx="3"/>
+            <a:endCxn id="50" idx="1"/>
+          </p:cNvCxnSpPr>
+          <p:nvPr/>
+        </p:nvCxnSpPr>
+        <p:spPr>
+          <a:xfrm>
+            <a:off x="3351944" y="3373227"/>
+            <a:ext cx="188895" cy="1246"/>
+          </a:xfrm>
+          <a:prstGeom prst="straightConnector1">
+            <a:avLst/>
+          </a:prstGeom>
+          <a:ln w="28575">
+            <a:solidFill>
+              <a:schemeClr val="accent3">
+                <a:lumMod val="20000"/>
+                <a:lumOff val="80000"/>
+              </a:schemeClr>
+            </a:solidFill>
+            <a:tailEnd type="triangle"/>
+          </a:ln>
+        </p:spPr>
+        <p:style>
+          <a:lnRef idx="1">
+            <a:schemeClr val="accent1"/>
+          </a:lnRef>
+          <a:fillRef idx="0">
+            <a:schemeClr val="accent1"/>
+          </a:fillRef>
+          <a:effectRef idx="0">
+            <a:schemeClr val="accent1"/>
+          </a:effectRef>
+          <a:fontRef idx="minor">
+            <a:schemeClr val="tx1"/>
+          </a:fontRef>
+        </p:style>
+      </p:cxnSp>
+      <p:cxnSp>
+        <p:nvCxnSpPr>
+          <p:cNvPr id="148" name="Straight Arrow Connector 147">
+            <a:extLst>
+              <a:ext uri="{FF2B5EF4-FFF2-40B4-BE49-F238E27FC236}">
+                <a16:creationId xmlns:a16="http://schemas.microsoft.com/office/drawing/2014/main" id="{74AA3D67-D189-4565-A338-873FCC52AC2D}"/>
+              </a:ext>
+            </a:extLst>
+          </p:cNvPr>
+          <p:cNvCxnSpPr>
+            <a:cxnSpLocks/>
+            <a:stCxn id="106" idx="3"/>
+            <a:endCxn id="53" idx="1"/>
+          </p:cNvCxnSpPr>
+          <p:nvPr/>
+        </p:nvCxnSpPr>
+        <p:spPr>
+          <a:xfrm>
+            <a:off x="3366604" y="4078963"/>
+            <a:ext cx="176025" cy="3618"/>
+          </a:xfrm>
+          <a:prstGeom prst="straightConnector1">
+            <a:avLst/>
+          </a:prstGeom>
+          <a:ln w="28575">
+            <a:solidFill>
+              <a:schemeClr val="accent3">
+                <a:lumMod val="20000"/>
+                <a:lumOff val="80000"/>
+              </a:schemeClr>
+            </a:solidFill>
+            <a:tailEnd type="triangle"/>
+          </a:ln>
+        </p:spPr>
+        <p:style>
+          <a:lnRef idx="1">
+            <a:schemeClr val="accent1"/>
+          </a:lnRef>
+          <a:fillRef idx="0">
+            <a:schemeClr val="accent1"/>
+          </a:fillRef>
+          <a:effectRef idx="0">
+            <a:schemeClr val="accent1"/>
+          </a:effectRef>
+          <a:fontRef idx="minor">
+            <a:schemeClr val="tx1"/>
+          </a:fontRef>
+        </p:style>
+      </p:cxnSp>
+      <p:cxnSp>
+        <p:nvCxnSpPr>
+          <p:cNvPr id="151" name="Straight Arrow Connector 150">
+            <a:extLst>
+              <a:ext uri="{FF2B5EF4-FFF2-40B4-BE49-F238E27FC236}">
+                <a16:creationId xmlns:a16="http://schemas.microsoft.com/office/drawing/2014/main" id="{7EFF89ED-6897-44E4-BE9D-F931B21D95FB}"/>
+              </a:ext>
+            </a:extLst>
+          </p:cNvPr>
+          <p:cNvCxnSpPr>
+            <a:cxnSpLocks/>
+            <a:stCxn id="108" idx="3"/>
+            <a:endCxn id="56" idx="1"/>
+          </p:cNvCxnSpPr>
+          <p:nvPr/>
+        </p:nvCxnSpPr>
+        <p:spPr>
+          <a:xfrm flipV="1">
+            <a:off x="3360020" y="4708323"/>
+            <a:ext cx="184397" cy="3129"/>
+          </a:xfrm>
+          <a:prstGeom prst="straightConnector1">
+            <a:avLst/>
+          </a:prstGeom>
+          <a:ln w="28575">
+            <a:solidFill>
+              <a:schemeClr val="accent3">
+                <a:lumMod val="20000"/>
+                <a:lumOff val="80000"/>
+              </a:schemeClr>
+            </a:solidFill>
+            <a:tailEnd type="triangle"/>
+          </a:ln>
+        </p:spPr>
+        <p:style>
+          <a:lnRef idx="1">
+            <a:schemeClr val="accent1"/>
+          </a:lnRef>
+          <a:fillRef idx="0">
+            <a:schemeClr val="accent1"/>
+          </a:fillRef>
+          <a:effectRef idx="0">
+            <a:schemeClr val="accent1"/>
+          </a:effectRef>
+          <a:fontRef idx="minor">
+            <a:schemeClr val="tx1"/>
+          </a:fontRef>
+        </p:style>
+      </p:cxnSp>
+      <p:cxnSp>
+        <p:nvCxnSpPr>
+          <p:cNvPr id="154" name="Straight Arrow Connector 153">
+            <a:extLst>
+              <a:ext uri="{FF2B5EF4-FFF2-40B4-BE49-F238E27FC236}">
+                <a16:creationId xmlns:a16="http://schemas.microsoft.com/office/drawing/2014/main" id="{B22B234D-0495-4C56-9EF3-B9DFD5968797}"/>
+              </a:ext>
+            </a:extLst>
+          </p:cNvPr>
+          <p:cNvCxnSpPr>
+            <a:cxnSpLocks/>
+            <a:stCxn id="47" idx="3"/>
+            <a:endCxn id="61" idx="1"/>
+          </p:cNvCxnSpPr>
+          <p:nvPr/>
+        </p:nvCxnSpPr>
+        <p:spPr>
+          <a:xfrm>
+            <a:off x="5349735" y="2659140"/>
+            <a:ext cx="276586" cy="1000025"/>
+          </a:xfrm>
+          <a:prstGeom prst="straightConnector1">
+            <a:avLst/>
+          </a:prstGeom>
+          <a:ln w="28575">
+            <a:solidFill>
+              <a:schemeClr val="tx1"/>
+            </a:solidFill>
+            <a:tailEnd type="triangle"/>
+          </a:ln>
+        </p:spPr>
+        <p:style>
+          <a:lnRef idx="1">
+            <a:schemeClr val="accent1"/>
+          </a:lnRef>
+          <a:fillRef idx="0">
+            <a:schemeClr val="accent1"/>
+          </a:fillRef>
+          <a:effectRef idx="0">
+            <a:schemeClr val="accent1"/>
+          </a:effectRef>
+          <a:fontRef idx="minor">
+            <a:schemeClr val="tx1"/>
+          </a:fontRef>
+        </p:style>
+      </p:cxnSp>
+      <p:cxnSp>
+        <p:nvCxnSpPr>
+          <p:cNvPr id="159" name="Straight Arrow Connector 158">
+            <a:extLst>
+              <a:ext uri="{FF2B5EF4-FFF2-40B4-BE49-F238E27FC236}">
+                <a16:creationId xmlns:a16="http://schemas.microsoft.com/office/drawing/2014/main" id="{E05F270A-A245-4A48-9671-B432ED19BEAF}"/>
+              </a:ext>
+            </a:extLst>
+          </p:cNvPr>
+          <p:cNvCxnSpPr>
+            <a:cxnSpLocks/>
+            <a:stCxn id="50" idx="3"/>
+            <a:endCxn id="61" idx="1"/>
+          </p:cNvCxnSpPr>
+          <p:nvPr/>
+        </p:nvCxnSpPr>
+        <p:spPr>
+          <a:xfrm>
+            <a:off x="5373039" y="3374473"/>
+            <a:ext cx="253282" cy="284692"/>
+          </a:xfrm>
+          <a:prstGeom prst="straightConnector1">
+            <a:avLst/>
+          </a:prstGeom>
+          <a:ln w="28575">
+            <a:solidFill>
+              <a:schemeClr val="tx1"/>
+            </a:solidFill>
+            <a:tailEnd type="triangle"/>
+          </a:ln>
+        </p:spPr>
+        <p:style>
+          <a:lnRef idx="1">
+            <a:schemeClr val="accent1"/>
+          </a:lnRef>
+          <a:fillRef idx="0">
+            <a:schemeClr val="accent1"/>
+          </a:fillRef>
+          <a:effectRef idx="0">
+            <a:schemeClr val="accent1"/>
+          </a:effectRef>
+          <a:fontRef idx="minor">
+            <a:schemeClr val="tx1"/>
+          </a:fontRef>
+        </p:style>
+      </p:cxnSp>
+      <p:cxnSp>
+        <p:nvCxnSpPr>
+          <p:cNvPr id="163" name="Straight Arrow Connector 162">
+            <a:extLst>
+              <a:ext uri="{FF2B5EF4-FFF2-40B4-BE49-F238E27FC236}">
+                <a16:creationId xmlns:a16="http://schemas.microsoft.com/office/drawing/2014/main" id="{841498B3-F94C-441D-BB1C-07EC6602227A}"/>
+              </a:ext>
+            </a:extLst>
+          </p:cNvPr>
+          <p:cNvCxnSpPr>
+            <a:cxnSpLocks/>
+            <a:stCxn id="53" idx="3"/>
+            <a:endCxn id="61" idx="1"/>
+          </p:cNvCxnSpPr>
+          <p:nvPr/>
+        </p:nvCxnSpPr>
+        <p:spPr>
+          <a:xfrm flipV="1">
+            <a:off x="5374829" y="3659165"/>
+            <a:ext cx="251492" cy="423416"/>
+          </a:xfrm>
+          <a:prstGeom prst="straightConnector1">
+            <a:avLst/>
+          </a:prstGeom>
+          <a:ln w="28575">
+            <a:solidFill>
+              <a:schemeClr val="tx1"/>
+            </a:solidFill>
+            <a:tailEnd type="triangle"/>
+          </a:ln>
+        </p:spPr>
+        <p:style>
+          <a:lnRef idx="1">
+            <a:schemeClr val="accent1"/>
+          </a:lnRef>
+          <a:fillRef idx="0">
+            <a:schemeClr val="accent1"/>
+          </a:fillRef>
+          <a:effectRef idx="0">
+            <a:schemeClr val="accent1"/>
+          </a:effectRef>
+          <a:fontRef idx="minor">
+            <a:schemeClr val="tx1"/>
+          </a:fontRef>
+        </p:style>
+      </p:cxnSp>
+      <p:cxnSp>
+        <p:nvCxnSpPr>
+          <p:cNvPr id="169" name="Straight Arrow Connector 168">
+            <a:extLst>
+              <a:ext uri="{FF2B5EF4-FFF2-40B4-BE49-F238E27FC236}">
+                <a16:creationId xmlns:a16="http://schemas.microsoft.com/office/drawing/2014/main" id="{C8E6E301-3623-4780-98FC-1BF9EA23F443}"/>
+              </a:ext>
+            </a:extLst>
+          </p:cNvPr>
+          <p:cNvCxnSpPr>
+            <a:cxnSpLocks/>
+            <a:stCxn id="56" idx="3"/>
+            <a:endCxn id="61" idx="1"/>
+          </p:cNvCxnSpPr>
+          <p:nvPr/>
+        </p:nvCxnSpPr>
+        <p:spPr>
+          <a:xfrm flipV="1">
+            <a:off x="5376617" y="3659165"/>
+            <a:ext cx="249704" cy="1049158"/>
+          </a:xfrm>
+          <a:prstGeom prst="straightConnector1">
+            <a:avLst/>
+          </a:prstGeom>
+          <a:ln w="28575">
+            <a:solidFill>
+              <a:schemeClr val="tx1"/>
+            </a:solidFill>
+            <a:tailEnd type="triangle"/>
+          </a:ln>
+        </p:spPr>
+        <p:style>
+          <a:lnRef idx="1">
+            <a:schemeClr val="accent1"/>
+          </a:lnRef>
+          <a:fillRef idx="0">
+            <a:schemeClr val="accent1"/>
+          </a:fillRef>
+          <a:effectRef idx="0">
+            <a:schemeClr val="accent1"/>
+          </a:effectRef>
+          <a:fontRef idx="minor">
+            <a:schemeClr val="tx1"/>
+          </a:fontRef>
+        </p:style>
+      </p:cxnSp>
+      <p:cxnSp>
+        <p:nvCxnSpPr>
+          <p:cNvPr id="172" name="Straight Arrow Connector 171">
+            <a:extLst>
+              <a:ext uri="{FF2B5EF4-FFF2-40B4-BE49-F238E27FC236}">
+                <a16:creationId xmlns:a16="http://schemas.microsoft.com/office/drawing/2014/main" id="{D8A994F7-249B-4051-95DD-06849D3A53AC}"/>
+              </a:ext>
+            </a:extLst>
+          </p:cNvPr>
+          <p:cNvCxnSpPr>
+            <a:cxnSpLocks/>
+            <a:stCxn id="61" idx="3"/>
+            <a:endCxn id="58" idx="1"/>
+          </p:cNvCxnSpPr>
+          <p:nvPr/>
+        </p:nvCxnSpPr>
+        <p:spPr>
+          <a:xfrm>
+            <a:off x="6261022" y="3659165"/>
+            <a:ext cx="209460" cy="8504"/>
+          </a:xfrm>
+          <a:prstGeom prst="straightConnector1">
+            <a:avLst/>
+          </a:prstGeom>
+          <a:ln w="28575">
+            <a:solidFill>
+              <a:schemeClr val="tx1"/>
+            </a:solidFill>
+            <a:tailEnd type="triangle"/>
+          </a:ln>
+        </p:spPr>
+        <p:style>
+          <a:lnRef idx="1">
+            <a:schemeClr val="accent1"/>
+          </a:lnRef>
+          <a:fillRef idx="0">
+            <a:schemeClr val="accent1"/>
+          </a:fillRef>
+          <a:effectRef idx="0">
+            <a:schemeClr val="accent1"/>
+          </a:effectRef>
+          <a:fontRef idx="minor">
+            <a:schemeClr val="tx1"/>
+          </a:fontRef>
+        </p:style>
+      </p:cxnSp>
+      <p:cxnSp>
+        <p:nvCxnSpPr>
+          <p:cNvPr id="175" name="Straight Arrow Connector 174">
+            <a:extLst>
+              <a:ext uri="{FF2B5EF4-FFF2-40B4-BE49-F238E27FC236}">
+                <a16:creationId xmlns:a16="http://schemas.microsoft.com/office/drawing/2014/main" id="{3B54A5CC-C4B1-4FBA-86BF-2D1E3E0C6B3E}"/>
+              </a:ext>
+            </a:extLst>
+          </p:cNvPr>
+          <p:cNvCxnSpPr>
+            <a:cxnSpLocks/>
+            <a:stCxn id="58" idx="3"/>
+            <a:endCxn id="73" idx="1"/>
+          </p:cNvCxnSpPr>
+          <p:nvPr/>
+        </p:nvCxnSpPr>
+        <p:spPr>
+          <a:xfrm flipV="1">
+            <a:off x="7105183" y="3664834"/>
+            <a:ext cx="244325" cy="2835"/>
+          </a:xfrm>
+          <a:prstGeom prst="straightConnector1">
+            <a:avLst/>
+          </a:prstGeom>
+          <a:ln w="28575">
+            <a:solidFill>
+              <a:schemeClr val="tx1"/>
+            </a:solidFill>
+            <a:tailEnd type="triangle"/>
+          </a:ln>
+        </p:spPr>
+        <p:style>
+          <a:lnRef idx="1">
+            <a:schemeClr val="accent1"/>
+          </a:lnRef>
+          <a:fillRef idx="0">
+            <a:schemeClr val="accent1"/>
+          </a:fillRef>
+          <a:effectRef idx="0">
+            <a:schemeClr val="accent1"/>
+          </a:effectRef>
+          <a:fontRef idx="minor">
+            <a:schemeClr val="tx1"/>
+          </a:fontRef>
+        </p:style>
+      </p:cxnSp>
+      <p:cxnSp>
+        <p:nvCxnSpPr>
+          <p:cNvPr id="178" name="Straight Arrow Connector 177">
+            <a:extLst>
+              <a:ext uri="{FF2B5EF4-FFF2-40B4-BE49-F238E27FC236}">
+                <a16:creationId xmlns:a16="http://schemas.microsoft.com/office/drawing/2014/main" id="{5519471F-E1F2-4D10-B7AB-060419635215}"/>
+              </a:ext>
+            </a:extLst>
+          </p:cNvPr>
+          <p:cNvCxnSpPr>
+            <a:cxnSpLocks/>
+            <a:stCxn id="73" idx="3"/>
+            <a:endCxn id="76" idx="1"/>
+          </p:cNvCxnSpPr>
+          <p:nvPr/>
+        </p:nvCxnSpPr>
+        <p:spPr>
+          <a:xfrm>
+            <a:off x="7984209" y="3664834"/>
+            <a:ext cx="210263" cy="1745"/>
+          </a:xfrm>
+          <a:prstGeom prst="straightConnector1">
+            <a:avLst/>
+          </a:prstGeom>
+          <a:ln w="28575">
+            <a:solidFill>
+              <a:schemeClr val="tx1"/>
+            </a:solidFill>
+            <a:tailEnd type="triangle"/>
+          </a:ln>
+        </p:spPr>
+        <p:style>
+          <a:lnRef idx="1">
+            <a:schemeClr val="accent1"/>
+          </a:lnRef>
+          <a:fillRef idx="0">
+            <a:schemeClr val="accent1"/>
+          </a:fillRef>
+          <a:effectRef idx="0">
+            <a:schemeClr val="accent1"/>
+          </a:effectRef>
+          <a:fontRef idx="minor">
+            <a:schemeClr val="tx1"/>
+          </a:fontRef>
+        </p:style>
+      </p:cxnSp>
+      <p:cxnSp>
+        <p:nvCxnSpPr>
+          <p:cNvPr id="181" name="Straight Arrow Connector 180">
+            <a:extLst>
+              <a:ext uri="{FF2B5EF4-FFF2-40B4-BE49-F238E27FC236}">
+                <a16:creationId xmlns:a16="http://schemas.microsoft.com/office/drawing/2014/main" id="{45794732-2195-4692-A145-3BC065E99A71}"/>
+              </a:ext>
+            </a:extLst>
+          </p:cNvPr>
+          <p:cNvCxnSpPr>
+            <a:cxnSpLocks/>
+            <a:stCxn id="76" idx="3"/>
+            <a:endCxn id="79" idx="1"/>
+          </p:cNvCxnSpPr>
+          <p:nvPr/>
+        </p:nvCxnSpPr>
+        <p:spPr>
+          <a:xfrm flipV="1">
+            <a:off x="8829173" y="3649776"/>
+            <a:ext cx="175188" cy="16803"/>
+          </a:xfrm>
+          <a:prstGeom prst="straightConnector1">
+            <a:avLst/>
+          </a:prstGeom>
+          <a:ln w="28575">
+            <a:solidFill>
+              <a:schemeClr val="tx1"/>
+            </a:solidFill>
+            <a:tailEnd type="triangle"/>
+          </a:ln>
+        </p:spPr>
+        <p:style>
+          <a:lnRef idx="1">
+            <a:schemeClr val="accent1"/>
+          </a:lnRef>
+          <a:fillRef idx="0">
+            <a:schemeClr val="accent1"/>
+          </a:fillRef>
+          <a:effectRef idx="0">
+            <a:schemeClr val="accent1"/>
+          </a:effectRef>
+          <a:fontRef idx="minor">
+            <a:schemeClr val="tx1"/>
+          </a:fontRef>
+        </p:style>
+      </p:cxnSp>
+      <p:cxnSp>
+        <p:nvCxnSpPr>
+          <p:cNvPr id="184" name="Straight Arrow Connector 183">
+            <a:extLst>
+              <a:ext uri="{FF2B5EF4-FFF2-40B4-BE49-F238E27FC236}">
+                <a16:creationId xmlns:a16="http://schemas.microsoft.com/office/drawing/2014/main" id="{0514D1A5-EA87-4035-A57A-44F1432E9E3A}"/>
+              </a:ext>
+            </a:extLst>
+          </p:cNvPr>
+          <p:cNvCxnSpPr>
+            <a:cxnSpLocks/>
+            <a:stCxn id="79" idx="3"/>
+            <a:endCxn id="82" idx="1"/>
+          </p:cNvCxnSpPr>
+          <p:nvPr/>
+        </p:nvCxnSpPr>
+        <p:spPr>
+          <a:xfrm>
+            <a:off x="9639062" y="3649776"/>
+            <a:ext cx="196593" cy="1705"/>
+          </a:xfrm>
+          <a:prstGeom prst="straightConnector1">
+            <a:avLst/>
+          </a:prstGeom>
+          <a:ln w="28575">
+            <a:solidFill>
+              <a:schemeClr val="tx1"/>
+            </a:solidFill>
+            <a:tailEnd type="triangle"/>
+          </a:ln>
+        </p:spPr>
+        <p:style>
+          <a:lnRef idx="1">
+            <a:schemeClr val="accent1"/>
+          </a:lnRef>
+          <a:fillRef idx="0">
+            <a:schemeClr val="accent1"/>
+          </a:fillRef>
+          <a:effectRef idx="0">
+            <a:schemeClr val="accent1"/>
+          </a:effectRef>
+          <a:fontRef idx="minor">
+            <a:schemeClr val="tx1"/>
+          </a:fontRef>
+        </p:style>
+      </p:cxnSp>
+      <p:cxnSp>
+        <p:nvCxnSpPr>
+          <p:cNvPr id="187" name="Straight Arrow Connector 186">
+            <a:extLst>
+              <a:ext uri="{FF2B5EF4-FFF2-40B4-BE49-F238E27FC236}">
+                <a16:creationId xmlns:a16="http://schemas.microsoft.com/office/drawing/2014/main" id="{EBED2C91-85A8-447E-86A5-974FF24812BB}"/>
+              </a:ext>
+            </a:extLst>
+          </p:cNvPr>
+          <p:cNvCxnSpPr>
+            <a:cxnSpLocks/>
+            <a:stCxn id="82" idx="3"/>
+            <a:endCxn id="85" idx="1"/>
+          </p:cNvCxnSpPr>
+          <p:nvPr/>
+        </p:nvCxnSpPr>
+        <p:spPr>
+          <a:xfrm flipV="1">
+            <a:off x="10470356" y="3650616"/>
+            <a:ext cx="197752" cy="865"/>
+          </a:xfrm>
+          <a:prstGeom prst="straightConnector1">
+            <a:avLst/>
+          </a:prstGeom>
+          <a:ln w="28575">
+            <a:solidFill>
+              <a:schemeClr val="tx1"/>
+            </a:solidFill>
+            <a:tailEnd type="triangle"/>
+          </a:ln>
+        </p:spPr>
+        <p:style>
+          <a:lnRef idx="1">
+            <a:schemeClr val="accent1"/>
+          </a:lnRef>
+          <a:fillRef idx="0">
+            <a:schemeClr val="accent1"/>
+          </a:fillRef>
+          <a:effectRef idx="0">
+            <a:schemeClr val="accent1"/>
+          </a:effectRef>
+          <a:fontRef idx="minor">
+            <a:schemeClr val="tx1"/>
+          </a:fontRef>
+        </p:style>
+      </p:cxnSp>
+      <p:cxnSp>
+        <p:nvCxnSpPr>
+          <p:cNvPr id="190" name="Straight Arrow Connector 189">
+            <a:extLst>
+              <a:ext uri="{FF2B5EF4-FFF2-40B4-BE49-F238E27FC236}">
+                <a16:creationId xmlns:a16="http://schemas.microsoft.com/office/drawing/2014/main" id="{876877A7-49D7-4D53-9EDD-4EB366681EBB}"/>
+              </a:ext>
+            </a:extLst>
+          </p:cNvPr>
+          <p:cNvCxnSpPr>
+            <a:cxnSpLocks/>
+            <a:stCxn id="85" idx="3"/>
+          </p:cNvCxnSpPr>
+          <p:nvPr/>
+        </p:nvCxnSpPr>
+        <p:spPr>
+          <a:xfrm flipV="1">
+            <a:off x="11302809" y="3647072"/>
+            <a:ext cx="188440" cy="3544"/>
+          </a:xfrm>
+          <a:prstGeom prst="straightConnector1">
+            <a:avLst/>
+          </a:prstGeom>
+          <a:ln w="28575">
+            <a:solidFill>
+              <a:schemeClr val="tx1"/>
+            </a:solidFill>
+            <a:tailEnd type="triangle"/>
+          </a:ln>
+        </p:spPr>
+        <p:style>
+          <a:lnRef idx="1">
+            <a:schemeClr val="accent1"/>
+          </a:lnRef>
+          <a:fillRef idx="0">
+            <a:schemeClr val="accent1"/>
+          </a:fillRef>
+          <a:effectRef idx="0">
+            <a:schemeClr val="accent1"/>
+          </a:effectRef>
+          <a:fontRef idx="minor">
+            <a:schemeClr val="tx1"/>
+          </a:fontRef>
+        </p:style>
+      </p:cxnSp>
+      <p:sp>
+        <p:nvSpPr>
+          <p:cNvPr id="198" name="TextBox 197">
+            <a:extLst>
+              <a:ext uri="{FF2B5EF4-FFF2-40B4-BE49-F238E27FC236}">
+                <a16:creationId xmlns:a16="http://schemas.microsoft.com/office/drawing/2014/main" id="{A3A038D0-6FCA-4B42-AF08-FA4BBB369DB6}"/>
+              </a:ext>
+            </a:extLst>
+          </p:cNvPr>
+          <p:cNvSpPr txBox="1"/>
+          <p:nvPr/>
+        </p:nvSpPr>
+        <p:spPr>
+          <a:xfrm>
+            <a:off x="401052" y="1493702"/>
+            <a:ext cx="3092261" cy="523220"/>
+          </a:xfrm>
+          <a:prstGeom prst="rect">
+            <a:avLst/>
+          </a:prstGeom>
+          <a:noFill/>
+        </p:spPr>
+        <p:txBody>
+          <a:bodyPr wrap="square" rtlCol="0">
+            <a:spAutoFit/>
+          </a:bodyPr>
+          <a:lstStyle/>
+          <a:p>
+            <a:pPr algn="ctr"/>
+            <a:r>
+              <a:rPr lang="en-US" sz="2800" b="1" i="1" dirty="0"/>
+              <a:t>Feature Extraction</a:t>
+            </a:r>
+          </a:p>
+        </p:txBody>
+      </p:sp>
+      <p:sp>
+        <p:nvSpPr>
+          <p:cNvPr id="199" name="TextBox 198">
+            <a:extLst>
+              <a:ext uri="{FF2B5EF4-FFF2-40B4-BE49-F238E27FC236}">
+                <a16:creationId xmlns:a16="http://schemas.microsoft.com/office/drawing/2014/main" id="{8C3EFED9-D798-4353-8E8E-4BC3F484D49E}"/>
+              </a:ext>
+            </a:extLst>
+          </p:cNvPr>
+          <p:cNvSpPr txBox="1"/>
+          <p:nvPr/>
+        </p:nvSpPr>
+        <p:spPr>
+          <a:xfrm>
+            <a:off x="5616329" y="1445785"/>
+            <a:ext cx="3092261" cy="523220"/>
+          </a:xfrm>
+          <a:prstGeom prst="rect">
+            <a:avLst/>
+          </a:prstGeom>
+          <a:noFill/>
+        </p:spPr>
+        <p:txBody>
+          <a:bodyPr wrap="square" rtlCol="0">
+            <a:spAutoFit/>
+          </a:bodyPr>
+          <a:lstStyle/>
+          <a:p>
+            <a:pPr algn="ctr"/>
+            <a:r>
+              <a:rPr lang="en-US" sz="2800" b="1" i="1" dirty="0">
+                <a:effectLst>
+                  <a:outerShdw blurRad="38100" dist="38100" dir="2700000" algn="tl">
+                    <a:srgbClr val="000000">
+                      <a:alpha val="43137"/>
+                    </a:srgbClr>
+                  </a:outerShdw>
+                </a:effectLst>
+              </a:rPr>
+              <a:t>CNN Model</a:t>
+            </a:r>
+          </a:p>
+        </p:txBody>
+      </p:sp>
+      <p:grpSp>
+        <p:nvGrpSpPr>
+          <p:cNvPr id="212" name="Group 211">
+            <a:extLst>
+              <a:ext uri="{FF2B5EF4-FFF2-40B4-BE49-F238E27FC236}">
+                <a16:creationId xmlns:a16="http://schemas.microsoft.com/office/drawing/2014/main" id="{3A762DC4-B560-4D82-9A4E-3C57ABD4D627}"/>
+              </a:ext>
+            </a:extLst>
+          </p:cNvPr>
+          <p:cNvGrpSpPr/>
+          <p:nvPr/>
+        </p:nvGrpSpPr>
+        <p:grpSpPr>
+          <a:xfrm>
+            <a:off x="5559436" y="5961917"/>
+            <a:ext cx="1630389" cy="400113"/>
+            <a:chOff x="7581277" y="6010294"/>
+            <a:chExt cx="1630389" cy="400113"/>
+          </a:xfrm>
+        </p:grpSpPr>
+        <p:sp>
+          <p:nvSpPr>
+            <p:cNvPr id="202" name="Rectangle 201">
+              <a:extLst>
+                <a:ext uri="{FF2B5EF4-FFF2-40B4-BE49-F238E27FC236}">
+                  <a16:creationId xmlns:a16="http://schemas.microsoft.com/office/drawing/2014/main" id="{257EA3FB-3AC4-4D0C-B429-9FD14D3CE4DE}"/>
+                </a:ext>
+              </a:extLst>
+            </p:cNvPr>
+            <p:cNvSpPr/>
+            <p:nvPr/>
+          </p:nvSpPr>
+          <p:spPr>
+            <a:xfrm rot="5400000">
+              <a:off x="8137487" y="5484863"/>
+              <a:ext cx="369334" cy="1481754"/>
+            </a:xfrm>
+            <a:prstGeom prst="rect">
+              <a:avLst/>
+            </a:prstGeom>
+            <a:solidFill>
+              <a:srgbClr val="FF99FF"/>
+            </a:solidFill>
+            <a:ln w="38100">
+              <a:solidFill>
+                <a:srgbClr val="FF0000"/>
+              </a:solidFill>
+            </a:ln>
+          </p:spPr>
+          <p:style>
+            <a:lnRef idx="2">
+              <a:schemeClr val="accent1">
+                <a:shade val="50000"/>
+              </a:schemeClr>
+            </a:lnRef>
+            <a:fillRef idx="1">
+              <a:schemeClr val="accent1"/>
+            </a:fillRef>
+            <a:effectRef idx="0">
+              <a:schemeClr val="accent1"/>
+            </a:effectRef>
+            <a:fontRef idx="minor">
+              <a:schemeClr val="lt1"/>
+            </a:fontRef>
+          </p:style>
+          <p:txBody>
+            <a:bodyPr rtlCol="0" anchor="ctr"/>
+            <a:lstStyle/>
+            <a:p>
+              <a:pPr algn="ctr"/>
+              <a:endParaRPr lang="en-US"/>
+            </a:p>
+          </p:txBody>
+        </p:sp>
+        <p:sp>
+          <p:nvSpPr>
+            <p:cNvPr id="203" name="TextBox 202">
+              <a:extLst>
+                <a:ext uri="{FF2B5EF4-FFF2-40B4-BE49-F238E27FC236}">
+                  <a16:creationId xmlns:a16="http://schemas.microsoft.com/office/drawing/2014/main" id="{B16FBE13-9C56-4963-8D16-756EBAD11619}"/>
+                </a:ext>
+              </a:extLst>
+            </p:cNvPr>
+            <p:cNvSpPr txBox="1"/>
+            <p:nvPr/>
+          </p:nvSpPr>
+          <p:spPr>
+            <a:xfrm>
+              <a:off x="7581278" y="6010294"/>
+              <a:ext cx="1630388" cy="369332"/>
+            </a:xfrm>
+            <a:prstGeom prst="rect">
+              <a:avLst/>
+            </a:prstGeom>
+            <a:noFill/>
+          </p:spPr>
+          <p:txBody>
+            <a:bodyPr wrap="square" rtlCol="0">
+              <a:spAutoFit/>
+            </a:bodyPr>
+            <a:lstStyle/>
+            <a:p>
+              <a:r>
+                <a:rPr lang="en-US" dirty="0">
+                  <a:solidFill>
+                    <a:schemeClr val="bg1"/>
+                  </a:solidFill>
+                </a:rPr>
+                <a:t>Conv/FC Layer</a:t>
+              </a:r>
+            </a:p>
+          </p:txBody>
+        </p:sp>
+      </p:grpSp>
+      <p:grpSp>
+        <p:nvGrpSpPr>
+          <p:cNvPr id="211" name="Group 210">
+            <a:extLst>
+              <a:ext uri="{FF2B5EF4-FFF2-40B4-BE49-F238E27FC236}">
+                <a16:creationId xmlns:a16="http://schemas.microsoft.com/office/drawing/2014/main" id="{D41DEBA5-BCEE-4DE7-9A60-FA766654A9E4}"/>
+              </a:ext>
+            </a:extLst>
+          </p:cNvPr>
+          <p:cNvGrpSpPr/>
+          <p:nvPr/>
+        </p:nvGrpSpPr>
+        <p:grpSpPr>
+          <a:xfrm>
+            <a:off x="3887468" y="5966968"/>
+            <a:ext cx="1651077" cy="394205"/>
+            <a:chOff x="5121412" y="6016202"/>
+            <a:chExt cx="1651077" cy="394205"/>
+          </a:xfrm>
+        </p:grpSpPr>
+        <p:sp>
+          <p:nvSpPr>
+            <p:cNvPr id="205" name="Rectangle 204">
+              <a:extLst>
+                <a:ext uri="{FF2B5EF4-FFF2-40B4-BE49-F238E27FC236}">
+                  <a16:creationId xmlns:a16="http://schemas.microsoft.com/office/drawing/2014/main" id="{E7341265-3D40-4397-A126-7981EEE8B05A}"/>
+                </a:ext>
+              </a:extLst>
+            </p:cNvPr>
+            <p:cNvSpPr/>
+            <p:nvPr/>
+          </p:nvSpPr>
+          <p:spPr>
+            <a:xfrm rot="5400000">
+              <a:off x="5677622" y="5484863"/>
+              <a:ext cx="369334" cy="1481754"/>
+            </a:xfrm>
+            <a:prstGeom prst="rect">
+              <a:avLst/>
+            </a:prstGeom>
+            <a:solidFill>
+              <a:srgbClr val="92D050"/>
+            </a:solidFill>
+            <a:ln w="38100">
+              <a:solidFill>
+                <a:srgbClr val="F414D9"/>
+              </a:solidFill>
+            </a:ln>
+          </p:spPr>
+          <p:style>
+            <a:lnRef idx="2">
+              <a:schemeClr val="accent1">
+                <a:shade val="50000"/>
+              </a:schemeClr>
+            </a:lnRef>
+            <a:fillRef idx="1">
+              <a:schemeClr val="accent1"/>
+            </a:fillRef>
+            <a:effectRef idx="0">
+              <a:schemeClr val="accent1"/>
+            </a:effectRef>
+            <a:fontRef idx="minor">
+              <a:schemeClr val="lt1"/>
+            </a:fontRef>
+          </p:style>
+          <p:txBody>
+            <a:bodyPr rtlCol="0" anchor="ctr"/>
+            <a:lstStyle/>
+            <a:p>
+              <a:pPr algn="ctr"/>
+              <a:endParaRPr lang="en-US"/>
+            </a:p>
+          </p:txBody>
+        </p:sp>
+        <p:sp>
+          <p:nvSpPr>
+            <p:cNvPr id="206" name="TextBox 205">
+              <a:extLst>
+                <a:ext uri="{FF2B5EF4-FFF2-40B4-BE49-F238E27FC236}">
+                  <a16:creationId xmlns:a16="http://schemas.microsoft.com/office/drawing/2014/main" id="{826330D7-BA54-49F4-896B-999AEB30F5E1}"/>
+                </a:ext>
+              </a:extLst>
+            </p:cNvPr>
+            <p:cNvSpPr txBox="1"/>
+            <p:nvPr/>
+          </p:nvSpPr>
+          <p:spPr>
+            <a:xfrm>
+              <a:off x="5290735" y="6016202"/>
+              <a:ext cx="1481754" cy="369332"/>
+            </a:xfrm>
+            <a:prstGeom prst="rect">
+              <a:avLst/>
+            </a:prstGeom>
+            <a:noFill/>
+          </p:spPr>
+          <p:txBody>
+            <a:bodyPr wrap="square" rtlCol="0">
+              <a:spAutoFit/>
+            </a:bodyPr>
+            <a:lstStyle/>
+            <a:p>
+              <a:r>
+                <a:rPr lang="en-US" dirty="0">
+                  <a:solidFill>
+                    <a:schemeClr val="bg1"/>
+                  </a:solidFill>
+                </a:rPr>
+                <a:t>Dropout</a:t>
+              </a:r>
+            </a:p>
+          </p:txBody>
+        </p:sp>
+      </p:grpSp>
+      <p:grpSp>
+        <p:nvGrpSpPr>
+          <p:cNvPr id="207" name="Group 206">
+            <a:extLst>
+              <a:ext uri="{FF2B5EF4-FFF2-40B4-BE49-F238E27FC236}">
+                <a16:creationId xmlns:a16="http://schemas.microsoft.com/office/drawing/2014/main" id="{71AAAE8E-1AC5-4730-8634-C536BF35DF14}"/>
+              </a:ext>
+            </a:extLst>
+          </p:cNvPr>
+          <p:cNvGrpSpPr/>
+          <p:nvPr/>
+        </p:nvGrpSpPr>
+        <p:grpSpPr>
+          <a:xfrm>
+            <a:off x="2190505" y="5959571"/>
+            <a:ext cx="1481755" cy="400113"/>
+            <a:chOff x="10190293" y="5378047"/>
+            <a:chExt cx="1481755" cy="400113"/>
+          </a:xfrm>
+        </p:grpSpPr>
+        <p:sp>
+          <p:nvSpPr>
+            <p:cNvPr id="208" name="Rectangle 207">
+              <a:extLst>
+                <a:ext uri="{FF2B5EF4-FFF2-40B4-BE49-F238E27FC236}">
+                  <a16:creationId xmlns:a16="http://schemas.microsoft.com/office/drawing/2014/main" id="{494CC9EC-B16E-4363-A142-98FE24919677}"/>
+                </a:ext>
+              </a:extLst>
+            </p:cNvPr>
+            <p:cNvSpPr/>
+            <p:nvPr/>
+          </p:nvSpPr>
+          <p:spPr>
+            <a:xfrm rot="5400000">
+              <a:off x="10746503" y="4852616"/>
+              <a:ext cx="369334" cy="1481754"/>
+            </a:xfrm>
+            <a:prstGeom prst="rect">
+              <a:avLst/>
+            </a:prstGeom>
+            <a:solidFill>
+              <a:srgbClr val="FFFF00"/>
+            </a:solidFill>
+            <a:ln w="38100">
+              <a:solidFill>
+                <a:srgbClr val="00B0F0"/>
+              </a:solidFill>
+            </a:ln>
+          </p:spPr>
+          <p:style>
+            <a:lnRef idx="2">
+              <a:schemeClr val="accent1">
+                <a:shade val="50000"/>
+              </a:schemeClr>
+            </a:lnRef>
+            <a:fillRef idx="1">
+              <a:schemeClr val="accent1"/>
+            </a:fillRef>
+            <a:effectRef idx="0">
+              <a:schemeClr val="accent1"/>
+            </a:effectRef>
+            <a:fontRef idx="minor">
+              <a:schemeClr val="lt1"/>
+            </a:fontRef>
+          </p:style>
+          <p:txBody>
+            <a:bodyPr rtlCol="0" anchor="ctr"/>
+            <a:lstStyle/>
+            <a:p>
+              <a:pPr algn="ctr"/>
+              <a:endParaRPr lang="en-US"/>
+            </a:p>
+          </p:txBody>
+        </p:sp>
+        <p:sp>
+          <p:nvSpPr>
+            <p:cNvPr id="209" name="TextBox 208">
+              <a:extLst>
+                <a:ext uri="{FF2B5EF4-FFF2-40B4-BE49-F238E27FC236}">
+                  <a16:creationId xmlns:a16="http://schemas.microsoft.com/office/drawing/2014/main" id="{E538F2AD-6A4B-4738-B96D-2C8DDF151622}"/>
+                </a:ext>
+              </a:extLst>
+            </p:cNvPr>
+            <p:cNvSpPr txBox="1"/>
+            <p:nvPr/>
+          </p:nvSpPr>
+          <p:spPr>
+            <a:xfrm>
+              <a:off x="10190294" y="5378047"/>
+              <a:ext cx="1481754" cy="369332"/>
+            </a:xfrm>
+            <a:prstGeom prst="rect">
+              <a:avLst/>
+            </a:prstGeom>
+            <a:noFill/>
+          </p:spPr>
+          <p:txBody>
+            <a:bodyPr wrap="square" rtlCol="0">
+              <a:spAutoFit/>
+            </a:bodyPr>
+            <a:lstStyle/>
+            <a:p>
+              <a:r>
+                <a:rPr lang="en-US" dirty="0">
+                  <a:solidFill>
+                    <a:schemeClr val="bg1"/>
+                  </a:solidFill>
+                </a:rPr>
+                <a:t>Input Feature</a:t>
+              </a:r>
+            </a:p>
+          </p:txBody>
+        </p:sp>
+      </p:grpSp>
     </p:spTree>
     <p:extLst>
       <p:ext uri="{BB962C8B-B14F-4D97-AF65-F5344CB8AC3E}">
@@ -5104,7 +9246,7 @@
                 <a:latin typeface="Arial" panose="020B0604020202020204" pitchFamily="34" charset="0"/>
                 <a:cs typeface="Arial" panose="020B0604020202020204" pitchFamily="34" charset="0"/>
               </a:rPr>
-              <a:t>PC Classification – Results  </a:t>
+              <a:t>PC Classification – Evaluation  </a:t>
             </a:r>
           </a:p>
         </p:txBody>
@@ -5124,13 +9266,13 @@
           <p:nvPr>
             <p:extLst>
               <p:ext uri="{D42A27DB-BD31-4B8C-83A1-F6EECF244321}">
-                <p14:modId xmlns:p14="http://schemas.microsoft.com/office/powerpoint/2010/main" val="2325695916"/>
+                <p14:modId xmlns:p14="http://schemas.microsoft.com/office/powerpoint/2010/main" val="844593382"/>
               </p:ext>
             </p:extLst>
           </p:nvPr>
         </p:nvGraphicFramePr>
         <p:xfrm>
-          <a:off x="1931639" y="1611398"/>
+          <a:off x="1853581" y="1243408"/>
           <a:ext cx="8127999" cy="3371586"/>
         </p:xfrm>
         <a:graphic>
@@ -5572,7 +9714,7 @@
                   </a:ext>
                 </a:extLst>
               </a:tr>
-              <a:tr h="185420">
+              <a:tr h="120124">
                 <a:tc>
                   <a:txBody>
                     <a:bodyPr/>
@@ -5584,6 +9726,13 @@
                           <a:solidFill>
                             <a:srgbClr val="00B0F0"/>
                           </a:solidFill>
+                          <a:effectLst>
+                            <a:outerShdw blurRad="38100" dist="38100" dir="2700000" algn="tl">
+                              <a:srgbClr val="000000">
+                                <a:alpha val="43137"/>
+                              </a:srgbClr>
+                            </a:outerShdw>
+                          </a:effectLst>
                         </a:rPr>
                         <a:t>Ours</a:t>
                       </a:r>
@@ -5602,6 +9751,13 @@
                           <a:solidFill>
                             <a:srgbClr val="00B0F0"/>
                           </a:solidFill>
+                          <a:effectLst>
+                            <a:outerShdw blurRad="38100" dist="38100" dir="2700000" algn="tl">
+                              <a:srgbClr val="000000">
+                                <a:alpha val="43137"/>
+                              </a:srgbClr>
+                            </a:outerShdw>
+                          </a:effectLst>
                         </a:rPr>
                         <a:t>1024</a:t>
                       </a:r>
@@ -5620,6 +9776,13 @@
                           <a:solidFill>
                             <a:srgbClr val="00B0F0"/>
                           </a:solidFill>
+                          <a:effectLst>
+                            <a:outerShdw blurRad="38100" dist="38100" dir="2700000" algn="tl">
+                              <a:srgbClr val="000000">
+                                <a:alpha val="43137"/>
+                              </a:srgbClr>
+                            </a:outerShdw>
+                          </a:effectLst>
                         </a:rPr>
                         <a:t>91.5</a:t>
                       </a:r>
@@ -5637,10 +9800,1162 @@
           </a:graphicData>
         </a:graphic>
       </p:graphicFrame>
+      <p:sp>
+        <p:nvSpPr>
+          <p:cNvPr id="2" name="TextBox 1">
+            <a:extLst>
+              <a:ext uri="{FF2B5EF4-FFF2-40B4-BE49-F238E27FC236}">
+                <a16:creationId xmlns:a16="http://schemas.microsoft.com/office/drawing/2014/main" id="{37DBED7C-B267-483E-8FA0-40C17EDAFF98}"/>
+              </a:ext>
+            </a:extLst>
+          </p:cNvPr>
+          <p:cNvSpPr txBox="1"/>
+          <p:nvPr/>
+        </p:nvSpPr>
+        <p:spPr>
+          <a:xfrm>
+            <a:off x="1853581" y="5126423"/>
+            <a:ext cx="9219580" cy="1631216"/>
+          </a:xfrm>
+          <a:prstGeom prst="rect">
+            <a:avLst/>
+          </a:prstGeom>
+          <a:noFill/>
+        </p:spPr>
+        <p:txBody>
+          <a:bodyPr wrap="square" rtlCol="0">
+            <a:spAutoFit/>
+          </a:bodyPr>
+          <a:lstStyle/>
+          <a:p>
+            <a:pPr marL="342900" indent="-342900">
+              <a:buFont typeface="Arial" panose="020B0604020202020204" pitchFamily="34" charset="0"/>
+              <a:buChar char="•"/>
+            </a:pPr>
+            <a:r>
+              <a:rPr lang="en-US" sz="2500" b="1" dirty="0"/>
+              <a:t>Input:</a:t>
+            </a:r>
+          </a:p>
+          <a:p>
+            <a:pPr marL="800100" lvl="1" indent="-342900">
+              <a:buFont typeface="Arial" panose="020B0604020202020204" pitchFamily="34" charset="0"/>
+              <a:buChar char="•"/>
+            </a:pPr>
+            <a:r>
+              <a:rPr lang="en-US" sz="2500" b="1" dirty="0"/>
+              <a:t>ModelNet40 (Princeton </a:t>
+            </a:r>
+            <a:r>
+              <a:rPr lang="en-US" sz="2500" b="1" dirty="0" err="1"/>
+              <a:t>ModelNet</a:t>
+            </a:r>
+            <a:r>
+              <a:rPr lang="en-US" sz="2500" b="1" dirty="0"/>
+              <a:t> project)</a:t>
+            </a:r>
+          </a:p>
+          <a:p>
+            <a:pPr marL="800100" lvl="1" indent="-342900">
+              <a:buFont typeface="Arial" panose="020B0604020202020204" pitchFamily="34" charset="0"/>
+              <a:buChar char="•"/>
+            </a:pPr>
+            <a:r>
+              <a:rPr lang="en-US" sz="2500" b="1" dirty="0"/>
+              <a:t>40 categories</a:t>
+            </a:r>
+          </a:p>
+          <a:p>
+            <a:pPr marL="800100" lvl="1" indent="-342900">
+              <a:buFont typeface="Arial" panose="020B0604020202020204" pitchFamily="34" charset="0"/>
+              <a:buChar char="•"/>
+            </a:pPr>
+            <a:r>
+              <a:rPr lang="en-US" sz="2500" b="1" dirty="0"/>
+              <a:t>12,311 models (9,843 for training and 2,468 for testing)</a:t>
+            </a:r>
+          </a:p>
+        </p:txBody>
+      </p:sp>
+      <p:sp>
+        <p:nvSpPr>
+          <p:cNvPr id="3" name="Rectangle 2">
+            <a:extLst>
+              <a:ext uri="{FF2B5EF4-FFF2-40B4-BE49-F238E27FC236}">
+                <a16:creationId xmlns:a16="http://schemas.microsoft.com/office/drawing/2014/main" id="{ED43E847-7559-4CCA-86CB-E9E9FACC4BA5}"/>
+              </a:ext>
+            </a:extLst>
+          </p:cNvPr>
+          <p:cNvSpPr/>
+          <p:nvPr/>
+        </p:nvSpPr>
+        <p:spPr>
+          <a:xfrm>
+            <a:off x="1853581" y="4237463"/>
+            <a:ext cx="8127998" cy="377531"/>
+          </a:xfrm>
+          <a:prstGeom prst="rect">
+            <a:avLst/>
+          </a:prstGeom>
+          <a:noFill/>
+          <a:ln w="38100"/>
+        </p:spPr>
+        <p:style>
+          <a:lnRef idx="2">
+            <a:schemeClr val="accent1">
+              <a:shade val="50000"/>
+            </a:schemeClr>
+          </a:lnRef>
+          <a:fillRef idx="1">
+            <a:schemeClr val="accent1"/>
+          </a:fillRef>
+          <a:effectRef idx="0">
+            <a:schemeClr val="accent1"/>
+          </a:effectRef>
+          <a:fontRef idx="minor">
+            <a:schemeClr val="lt1"/>
+          </a:fontRef>
+        </p:style>
+        <p:txBody>
+          <a:bodyPr rtlCol="0" anchor="ctr"/>
+          <a:lstStyle/>
+          <a:p>
+            <a:pPr algn="ctr"/>
+            <a:endParaRPr lang="en-US"/>
+          </a:p>
+        </p:txBody>
+      </p:sp>
     </p:spTree>
     <p:extLst>
       <p:ext uri="{BB962C8B-B14F-4D97-AF65-F5344CB8AC3E}">
         <p14:creationId xmlns:p14="http://schemas.microsoft.com/office/powerpoint/2010/main" val="688291710"/>
+      </p:ext>
+    </p:extLst>
+  </p:cSld>
+  <p:clrMapOvr>
+    <a:masterClrMapping/>
+  </p:clrMapOvr>
+</p:sld>
+</file>
+
+<file path=ppt/slides/slide6.xml><?xml version="1.0" encoding="utf-8"?>
+<p:sld xmlns:a="http://schemas.openxmlformats.org/drawingml/2006/main" xmlns:r="http://schemas.openxmlformats.org/officeDocument/2006/relationships" xmlns:p="http://schemas.openxmlformats.org/presentationml/2006/main">
+  <p:cSld>
+    <p:spTree>
+      <p:nvGrpSpPr>
+        <p:cNvPr id="1" name=""/>
+        <p:cNvGrpSpPr/>
+        <p:nvPr/>
+      </p:nvGrpSpPr>
+      <p:grpSpPr>
+        <a:xfrm>
+          <a:off x="0" y="0"/>
+          <a:ext cx="0" cy="0"/>
+          <a:chOff x="0" y="0"/>
+          <a:chExt cx="0" cy="0"/>
+        </a:xfrm>
+      </p:grpSpPr>
+      <p:cxnSp>
+        <p:nvCxnSpPr>
+          <p:cNvPr id="5" name="Straight Connector 4"/>
+          <p:cNvCxnSpPr>
+            <a:cxnSpLocks/>
+          </p:cNvCxnSpPr>
+          <p:nvPr/>
+        </p:nvCxnSpPr>
+        <p:spPr>
+          <a:xfrm>
+            <a:off x="0" y="790910"/>
+            <a:ext cx="10420350" cy="0"/>
+          </a:xfrm>
+          <a:prstGeom prst="line">
+            <a:avLst/>
+          </a:prstGeom>
+          <a:ln w="76200"/>
+        </p:spPr>
+        <p:style>
+          <a:lnRef idx="3">
+            <a:schemeClr val="accent6"/>
+          </a:lnRef>
+          <a:fillRef idx="0">
+            <a:schemeClr val="accent6"/>
+          </a:fillRef>
+          <a:effectRef idx="2">
+            <a:schemeClr val="accent6"/>
+          </a:effectRef>
+          <a:fontRef idx="minor">
+            <a:schemeClr val="tx1"/>
+          </a:fontRef>
+        </p:style>
+      </p:cxnSp>
+      <p:sp>
+        <p:nvSpPr>
+          <p:cNvPr id="9" name="TextBox 8"/>
+          <p:cNvSpPr txBox="1"/>
+          <p:nvPr/>
+        </p:nvSpPr>
+        <p:spPr>
+          <a:xfrm>
+            <a:off x="523874" y="-29577"/>
+            <a:ext cx="11668126" cy="923330"/>
+          </a:xfrm>
+          <a:prstGeom prst="rect">
+            <a:avLst/>
+          </a:prstGeom>
+          <a:noFill/>
+        </p:spPr>
+        <p:txBody>
+          <a:bodyPr wrap="square" rtlCol="0">
+            <a:spAutoFit/>
+          </a:bodyPr>
+          <a:lstStyle/>
+          <a:p>
+            <a:r>
+              <a:rPr lang="en-US" sz="5400" b="1" dirty="0">
+                <a:solidFill>
+                  <a:srgbClr val="92D050"/>
+                </a:solidFill>
+                <a:latin typeface="Arial" panose="020B0604020202020204" pitchFamily="34" charset="0"/>
+                <a:cs typeface="Arial" panose="020B0604020202020204" pitchFamily="34" charset="0"/>
+              </a:rPr>
+              <a:t>PC Classification – Next Step  </a:t>
+            </a:r>
+          </a:p>
+        </p:txBody>
+      </p:sp>
+      <p:sp>
+        <p:nvSpPr>
+          <p:cNvPr id="2" name="TextBox 1">
+            <a:extLst>
+              <a:ext uri="{FF2B5EF4-FFF2-40B4-BE49-F238E27FC236}">
+                <a16:creationId xmlns:a16="http://schemas.microsoft.com/office/drawing/2014/main" id="{9BDB2CCB-CE08-4D4F-9B4A-297E1CE6D49E}"/>
+              </a:ext>
+            </a:extLst>
+          </p:cNvPr>
+          <p:cNvSpPr txBox="1"/>
+          <p:nvPr/>
+        </p:nvSpPr>
+        <p:spPr>
+          <a:xfrm>
+            <a:off x="523874" y="1104740"/>
+            <a:ext cx="9686926" cy="2369880"/>
+          </a:xfrm>
+          <a:prstGeom prst="rect">
+            <a:avLst/>
+          </a:prstGeom>
+          <a:noFill/>
+        </p:spPr>
+        <p:txBody>
+          <a:bodyPr wrap="square" rtlCol="0">
+            <a:spAutoFit/>
+          </a:bodyPr>
+          <a:lstStyle/>
+          <a:p>
+            <a:pPr marL="571500" indent="-571500">
+              <a:buFont typeface="Arial" panose="020B0604020202020204" pitchFamily="34" charset="0"/>
+              <a:buChar char="•"/>
+            </a:pPr>
+            <a:r>
+              <a:rPr lang="en-US" sz="4000" dirty="0"/>
+              <a:t>Adding normal as raw input:</a:t>
+            </a:r>
+          </a:p>
+          <a:p>
+            <a:endParaRPr lang="en-US" sz="2000" dirty="0"/>
+          </a:p>
+          <a:p>
+            <a:pPr marL="1028700" lvl="1" indent="-571500">
+              <a:buFont typeface="Arial" panose="020B0604020202020204" pitchFamily="34" charset="0"/>
+              <a:buChar char="•"/>
+            </a:pPr>
+            <a:r>
+              <a:rPr lang="en-US" sz="2400" dirty="0">
+                <a:solidFill>
+                  <a:srgbClr val="00B0F0"/>
+                </a:solidFill>
+              </a:rPr>
+              <a:t>Distance is not enough</a:t>
+            </a:r>
+          </a:p>
+          <a:p>
+            <a:pPr lvl="1"/>
+            <a:endParaRPr lang="en-US" dirty="0">
+              <a:solidFill>
+                <a:srgbClr val="00B0F0"/>
+              </a:solidFill>
+            </a:endParaRPr>
+          </a:p>
+          <a:p>
+            <a:pPr marL="1028700" lvl="1" indent="-571500">
+              <a:buFont typeface="Arial" panose="020B0604020202020204" pitchFamily="34" charset="0"/>
+              <a:buChar char="•"/>
+            </a:pPr>
+            <a:r>
+              <a:rPr lang="en-US" sz="2400" dirty="0">
+                <a:solidFill>
+                  <a:srgbClr val="00B0F0"/>
+                </a:solidFill>
+              </a:rPr>
+              <a:t>Two pairs of point might have same distance but different normal</a:t>
+            </a:r>
+            <a:r>
+              <a:rPr lang="en-US" sz="4400" dirty="0">
+                <a:solidFill>
+                  <a:srgbClr val="00B0F0"/>
+                </a:solidFill>
+              </a:rPr>
+              <a:t> </a:t>
+            </a:r>
+          </a:p>
+        </p:txBody>
+      </p:sp>
+      <p:sp>
+        <p:nvSpPr>
+          <p:cNvPr id="3" name="Rectangle 2">
+            <a:extLst>
+              <a:ext uri="{FF2B5EF4-FFF2-40B4-BE49-F238E27FC236}">
+                <a16:creationId xmlns:a16="http://schemas.microsoft.com/office/drawing/2014/main" id="{553126B8-0221-4185-B079-45E99E2FE766}"/>
+              </a:ext>
+            </a:extLst>
+          </p:cNvPr>
+          <p:cNvSpPr/>
+          <p:nvPr/>
+        </p:nvSpPr>
+        <p:spPr>
+          <a:xfrm>
+            <a:off x="2849321" y="4614966"/>
+            <a:ext cx="1602890" cy="1570617"/>
+          </a:xfrm>
+          <a:prstGeom prst="rect">
+            <a:avLst/>
+          </a:prstGeom>
+          <a:ln w="19050">
+            <a:solidFill>
+              <a:schemeClr val="tx1"/>
+            </a:solidFill>
+          </a:ln>
+        </p:spPr>
+        <p:style>
+          <a:lnRef idx="2">
+            <a:schemeClr val="accent1">
+              <a:shade val="50000"/>
+            </a:schemeClr>
+          </a:lnRef>
+          <a:fillRef idx="1">
+            <a:schemeClr val="accent1"/>
+          </a:fillRef>
+          <a:effectRef idx="0">
+            <a:schemeClr val="accent1"/>
+          </a:effectRef>
+          <a:fontRef idx="minor">
+            <a:schemeClr val="lt1"/>
+          </a:fontRef>
+        </p:style>
+        <p:txBody>
+          <a:bodyPr rtlCol="0" anchor="ctr"/>
+          <a:lstStyle/>
+          <a:p>
+            <a:pPr algn="ctr"/>
+            <a:endParaRPr lang="en-US"/>
+          </a:p>
+        </p:txBody>
+      </p:sp>
+      <p:sp>
+        <p:nvSpPr>
+          <p:cNvPr id="4" name="Oval 3">
+            <a:extLst>
+              <a:ext uri="{FF2B5EF4-FFF2-40B4-BE49-F238E27FC236}">
+                <a16:creationId xmlns:a16="http://schemas.microsoft.com/office/drawing/2014/main" id="{A65C55CB-4B46-4983-BAB1-6AD08D3FD3BB}"/>
+              </a:ext>
+            </a:extLst>
+          </p:cNvPr>
+          <p:cNvSpPr/>
+          <p:nvPr/>
+        </p:nvSpPr>
+        <p:spPr>
+          <a:xfrm>
+            <a:off x="7442163" y="4555797"/>
+            <a:ext cx="1602890" cy="1688951"/>
+          </a:xfrm>
+          <a:prstGeom prst="ellipse">
+            <a:avLst/>
+          </a:prstGeom>
+          <a:solidFill>
+            <a:schemeClr val="accent2">
+              <a:lumMod val="50000"/>
+            </a:schemeClr>
+          </a:solidFill>
+          <a:ln w="19050">
+            <a:solidFill>
+              <a:schemeClr val="tx1"/>
+            </a:solidFill>
+          </a:ln>
+        </p:spPr>
+        <p:style>
+          <a:lnRef idx="2">
+            <a:schemeClr val="accent1">
+              <a:shade val="50000"/>
+            </a:schemeClr>
+          </a:lnRef>
+          <a:fillRef idx="1">
+            <a:schemeClr val="accent1"/>
+          </a:fillRef>
+          <a:effectRef idx="0">
+            <a:schemeClr val="accent1"/>
+          </a:effectRef>
+          <a:fontRef idx="minor">
+            <a:schemeClr val="lt1"/>
+          </a:fontRef>
+        </p:style>
+        <p:txBody>
+          <a:bodyPr rtlCol="0" anchor="ctr"/>
+          <a:lstStyle/>
+          <a:p>
+            <a:pPr algn="ctr"/>
+            <a:endParaRPr lang="en-US"/>
+          </a:p>
+        </p:txBody>
+      </p:sp>
+      <p:cxnSp>
+        <p:nvCxnSpPr>
+          <p:cNvPr id="7" name="Straight Connector 6">
+            <a:extLst>
+              <a:ext uri="{FF2B5EF4-FFF2-40B4-BE49-F238E27FC236}">
+                <a16:creationId xmlns:a16="http://schemas.microsoft.com/office/drawing/2014/main" id="{6FD0D883-DC0D-4ED8-B82D-6A13A1953A30}"/>
+              </a:ext>
+            </a:extLst>
+          </p:cNvPr>
+          <p:cNvCxnSpPr>
+            <a:stCxn id="3" idx="0"/>
+            <a:endCxn id="3" idx="1"/>
+          </p:cNvCxnSpPr>
+          <p:nvPr/>
+        </p:nvCxnSpPr>
+        <p:spPr>
+          <a:xfrm flipH="1">
+            <a:off x="2849321" y="4614966"/>
+            <a:ext cx="801445" cy="785309"/>
+          </a:xfrm>
+          <a:prstGeom prst="line">
+            <a:avLst/>
+          </a:prstGeom>
+          <a:ln w="38100">
+            <a:solidFill>
+              <a:srgbClr val="FFFF00"/>
+            </a:solidFill>
+          </a:ln>
+        </p:spPr>
+        <p:style>
+          <a:lnRef idx="1">
+            <a:schemeClr val="accent1"/>
+          </a:lnRef>
+          <a:fillRef idx="0">
+            <a:schemeClr val="accent1"/>
+          </a:fillRef>
+          <a:effectRef idx="0">
+            <a:schemeClr val="accent1"/>
+          </a:effectRef>
+          <a:fontRef idx="minor">
+            <a:schemeClr val="tx1"/>
+          </a:fontRef>
+        </p:style>
+      </p:cxnSp>
+      <p:cxnSp>
+        <p:nvCxnSpPr>
+          <p:cNvPr id="10" name="Straight Connector 9">
+            <a:extLst>
+              <a:ext uri="{FF2B5EF4-FFF2-40B4-BE49-F238E27FC236}">
+                <a16:creationId xmlns:a16="http://schemas.microsoft.com/office/drawing/2014/main" id="{09275B8B-76C4-421C-BFF4-BE6C2FED0915}"/>
+              </a:ext>
+            </a:extLst>
+          </p:cNvPr>
+          <p:cNvCxnSpPr>
+            <a:cxnSpLocks/>
+            <a:stCxn id="4" idx="7"/>
+            <a:endCxn id="4" idx="1"/>
+          </p:cNvCxnSpPr>
+          <p:nvPr/>
+        </p:nvCxnSpPr>
+        <p:spPr>
+          <a:xfrm flipH="1">
+            <a:off x="7676901" y="4803138"/>
+            <a:ext cx="1133414" cy="0"/>
+          </a:xfrm>
+          <a:prstGeom prst="line">
+            <a:avLst/>
+          </a:prstGeom>
+          <a:ln w="38100">
+            <a:solidFill>
+              <a:srgbClr val="FFFF00"/>
+            </a:solidFill>
+          </a:ln>
+        </p:spPr>
+        <p:style>
+          <a:lnRef idx="1">
+            <a:schemeClr val="accent1"/>
+          </a:lnRef>
+          <a:fillRef idx="0">
+            <a:schemeClr val="accent1"/>
+          </a:fillRef>
+          <a:effectRef idx="0">
+            <a:schemeClr val="accent1"/>
+          </a:effectRef>
+          <a:fontRef idx="minor">
+            <a:schemeClr val="tx1"/>
+          </a:fontRef>
+        </p:style>
+      </p:cxnSp>
+      <p:cxnSp>
+        <p:nvCxnSpPr>
+          <p:cNvPr id="17" name="Straight Arrow Connector 16">
+            <a:extLst>
+              <a:ext uri="{FF2B5EF4-FFF2-40B4-BE49-F238E27FC236}">
+                <a16:creationId xmlns:a16="http://schemas.microsoft.com/office/drawing/2014/main" id="{6701A421-1638-4620-AE65-116B2852E0B5}"/>
+              </a:ext>
+            </a:extLst>
+          </p:cNvPr>
+          <p:cNvCxnSpPr/>
+          <p:nvPr/>
+        </p:nvCxnSpPr>
+        <p:spPr>
+          <a:xfrm flipV="1">
+            <a:off x="7665495" y="4009515"/>
+            <a:ext cx="0" cy="793623"/>
+          </a:xfrm>
+          <a:prstGeom prst="straightConnector1">
+            <a:avLst/>
+          </a:prstGeom>
+          <a:ln w="38100">
+            <a:solidFill>
+              <a:srgbClr val="669900"/>
+            </a:solidFill>
+            <a:tailEnd type="triangle"/>
+          </a:ln>
+        </p:spPr>
+        <p:style>
+          <a:lnRef idx="1">
+            <a:schemeClr val="accent1"/>
+          </a:lnRef>
+          <a:fillRef idx="0">
+            <a:schemeClr val="accent1"/>
+          </a:fillRef>
+          <a:effectRef idx="0">
+            <a:schemeClr val="accent1"/>
+          </a:effectRef>
+          <a:fontRef idx="minor">
+            <a:schemeClr val="tx1"/>
+          </a:fontRef>
+        </p:style>
+      </p:cxnSp>
+      <p:cxnSp>
+        <p:nvCxnSpPr>
+          <p:cNvPr id="18" name="Straight Arrow Connector 17">
+            <a:extLst>
+              <a:ext uri="{FF2B5EF4-FFF2-40B4-BE49-F238E27FC236}">
+                <a16:creationId xmlns:a16="http://schemas.microsoft.com/office/drawing/2014/main" id="{714A929C-BF1E-4D59-93A5-7398B1D16BA5}"/>
+              </a:ext>
+            </a:extLst>
+          </p:cNvPr>
+          <p:cNvCxnSpPr/>
+          <p:nvPr/>
+        </p:nvCxnSpPr>
+        <p:spPr>
+          <a:xfrm flipV="1">
+            <a:off x="8810315" y="4009514"/>
+            <a:ext cx="0" cy="793623"/>
+          </a:xfrm>
+          <a:prstGeom prst="straightConnector1">
+            <a:avLst/>
+          </a:prstGeom>
+          <a:ln w="38100">
+            <a:solidFill>
+              <a:srgbClr val="669900"/>
+            </a:solidFill>
+            <a:tailEnd type="triangle"/>
+          </a:ln>
+        </p:spPr>
+        <p:style>
+          <a:lnRef idx="1">
+            <a:schemeClr val="accent1"/>
+          </a:lnRef>
+          <a:fillRef idx="0">
+            <a:schemeClr val="accent1"/>
+          </a:fillRef>
+          <a:effectRef idx="0">
+            <a:schemeClr val="accent1"/>
+          </a:effectRef>
+          <a:fontRef idx="minor">
+            <a:schemeClr val="tx1"/>
+          </a:fontRef>
+        </p:style>
+      </p:cxnSp>
+      <p:cxnSp>
+        <p:nvCxnSpPr>
+          <p:cNvPr id="19" name="Straight Arrow Connector 18">
+            <a:extLst>
+              <a:ext uri="{FF2B5EF4-FFF2-40B4-BE49-F238E27FC236}">
+                <a16:creationId xmlns:a16="http://schemas.microsoft.com/office/drawing/2014/main" id="{E419BB6C-53FB-4D8F-9C69-F6CE9180A9E4}"/>
+              </a:ext>
+            </a:extLst>
+          </p:cNvPr>
+          <p:cNvCxnSpPr/>
+          <p:nvPr/>
+        </p:nvCxnSpPr>
+        <p:spPr>
+          <a:xfrm flipV="1">
+            <a:off x="3650766" y="3821343"/>
+            <a:ext cx="0" cy="793623"/>
+          </a:xfrm>
+          <a:prstGeom prst="straightConnector1">
+            <a:avLst/>
+          </a:prstGeom>
+          <a:ln w="38100">
+            <a:solidFill>
+              <a:srgbClr val="669900"/>
+            </a:solidFill>
+            <a:tailEnd type="triangle"/>
+          </a:ln>
+        </p:spPr>
+        <p:style>
+          <a:lnRef idx="1">
+            <a:schemeClr val="accent1"/>
+          </a:lnRef>
+          <a:fillRef idx="0">
+            <a:schemeClr val="accent1"/>
+          </a:fillRef>
+          <a:effectRef idx="0">
+            <a:schemeClr val="accent1"/>
+          </a:effectRef>
+          <a:fontRef idx="minor">
+            <a:schemeClr val="tx1"/>
+          </a:fontRef>
+        </p:style>
+      </p:cxnSp>
+      <p:cxnSp>
+        <p:nvCxnSpPr>
+          <p:cNvPr id="20" name="Straight Arrow Connector 19">
+            <a:extLst>
+              <a:ext uri="{FF2B5EF4-FFF2-40B4-BE49-F238E27FC236}">
+                <a16:creationId xmlns:a16="http://schemas.microsoft.com/office/drawing/2014/main" id="{C4C3D168-E70E-43CE-8295-59696DE4BA79}"/>
+              </a:ext>
+            </a:extLst>
+          </p:cNvPr>
+          <p:cNvCxnSpPr>
+            <a:cxnSpLocks/>
+          </p:cNvCxnSpPr>
+          <p:nvPr/>
+        </p:nvCxnSpPr>
+        <p:spPr>
+          <a:xfrm flipH="1" flipV="1">
+            <a:off x="1906235" y="5400273"/>
+            <a:ext cx="943086" cy="1"/>
+          </a:xfrm>
+          <a:prstGeom prst="straightConnector1">
+            <a:avLst/>
+          </a:prstGeom>
+          <a:ln w="38100">
+            <a:solidFill>
+              <a:srgbClr val="669900"/>
+            </a:solidFill>
+            <a:tailEnd type="triangle"/>
+          </a:ln>
+        </p:spPr>
+        <p:style>
+          <a:lnRef idx="1">
+            <a:schemeClr val="accent1"/>
+          </a:lnRef>
+          <a:fillRef idx="0">
+            <a:schemeClr val="accent1"/>
+          </a:fillRef>
+          <a:effectRef idx="0">
+            <a:schemeClr val="accent1"/>
+          </a:effectRef>
+          <a:fontRef idx="minor">
+            <a:schemeClr val="tx1"/>
+          </a:fontRef>
+        </p:style>
+      </p:cxnSp>
+      <p:sp>
+        <p:nvSpPr>
+          <p:cNvPr id="22" name="TextBox 21">
+            <a:extLst>
+              <a:ext uri="{FF2B5EF4-FFF2-40B4-BE49-F238E27FC236}">
+                <a16:creationId xmlns:a16="http://schemas.microsoft.com/office/drawing/2014/main" id="{3A72CA3A-1A0A-4020-8133-474C436D9D00}"/>
+              </a:ext>
+            </a:extLst>
+          </p:cNvPr>
+          <p:cNvSpPr txBox="1"/>
+          <p:nvPr/>
+        </p:nvSpPr>
+        <p:spPr>
+          <a:xfrm>
+            <a:off x="8546501" y="4762322"/>
+            <a:ext cx="469415" cy="369332"/>
+          </a:xfrm>
+          <a:prstGeom prst="rect">
+            <a:avLst/>
+          </a:prstGeom>
+          <a:noFill/>
+        </p:spPr>
+        <p:txBody>
+          <a:bodyPr wrap="square" rtlCol="0">
+            <a:spAutoFit/>
+          </a:bodyPr>
+          <a:lstStyle/>
+          <a:p>
+            <a:r>
+              <a:rPr lang="en-US" b="1" dirty="0"/>
+              <a:t>p1</a:t>
+            </a:r>
+          </a:p>
+        </p:txBody>
+      </p:sp>
+      <p:sp>
+        <p:nvSpPr>
+          <p:cNvPr id="23" name="TextBox 22">
+            <a:extLst>
+              <a:ext uri="{FF2B5EF4-FFF2-40B4-BE49-F238E27FC236}">
+                <a16:creationId xmlns:a16="http://schemas.microsoft.com/office/drawing/2014/main" id="{25261B1A-4BF0-4AB1-AEE0-40CCD98C28D0}"/>
+              </a:ext>
+            </a:extLst>
+          </p:cNvPr>
+          <p:cNvSpPr txBox="1"/>
+          <p:nvPr/>
+        </p:nvSpPr>
+        <p:spPr>
+          <a:xfrm>
+            <a:off x="7469896" y="4803137"/>
+            <a:ext cx="469415" cy="369332"/>
+          </a:xfrm>
+          <a:prstGeom prst="rect">
+            <a:avLst/>
+          </a:prstGeom>
+          <a:noFill/>
+        </p:spPr>
+        <p:txBody>
+          <a:bodyPr wrap="square" rtlCol="0">
+            <a:spAutoFit/>
+          </a:bodyPr>
+          <a:lstStyle/>
+          <a:p>
+            <a:r>
+              <a:rPr lang="en-US" b="1" dirty="0"/>
+              <a:t>p2</a:t>
+            </a:r>
+          </a:p>
+        </p:txBody>
+      </p:sp>
+      <p:sp>
+        <p:nvSpPr>
+          <p:cNvPr id="24" name="Oval 23">
+            <a:extLst>
+              <a:ext uri="{FF2B5EF4-FFF2-40B4-BE49-F238E27FC236}">
+                <a16:creationId xmlns:a16="http://schemas.microsoft.com/office/drawing/2014/main" id="{9D07D0DB-E950-4F65-9944-DD0E7DE7CF05}"/>
+              </a:ext>
+            </a:extLst>
+          </p:cNvPr>
+          <p:cNvSpPr/>
+          <p:nvPr/>
+        </p:nvSpPr>
+        <p:spPr>
+          <a:xfrm>
+            <a:off x="8706717" y="4728928"/>
+            <a:ext cx="172122" cy="148420"/>
+          </a:xfrm>
+          <a:prstGeom prst="ellipse">
+            <a:avLst/>
+          </a:prstGeom>
+          <a:solidFill>
+            <a:schemeClr val="tx1"/>
+          </a:solidFill>
+          <a:ln>
+            <a:solidFill>
+              <a:schemeClr val="tx1"/>
+            </a:solidFill>
+          </a:ln>
+        </p:spPr>
+        <p:style>
+          <a:lnRef idx="2">
+            <a:schemeClr val="accent1">
+              <a:shade val="50000"/>
+            </a:schemeClr>
+          </a:lnRef>
+          <a:fillRef idx="1">
+            <a:schemeClr val="accent1"/>
+          </a:fillRef>
+          <a:effectRef idx="0">
+            <a:schemeClr val="accent1"/>
+          </a:effectRef>
+          <a:fontRef idx="minor">
+            <a:schemeClr val="lt1"/>
+          </a:fontRef>
+        </p:style>
+        <p:txBody>
+          <a:bodyPr rtlCol="0" anchor="ctr"/>
+          <a:lstStyle/>
+          <a:p>
+            <a:pPr algn="ctr"/>
+            <a:endParaRPr lang="en-US"/>
+          </a:p>
+        </p:txBody>
+      </p:sp>
+      <p:sp>
+        <p:nvSpPr>
+          <p:cNvPr id="25" name="Oval 24">
+            <a:extLst>
+              <a:ext uri="{FF2B5EF4-FFF2-40B4-BE49-F238E27FC236}">
+                <a16:creationId xmlns:a16="http://schemas.microsoft.com/office/drawing/2014/main" id="{A672F3F9-076A-4E59-AFEB-DACCDC705C67}"/>
+              </a:ext>
+            </a:extLst>
+          </p:cNvPr>
+          <p:cNvSpPr/>
+          <p:nvPr/>
+        </p:nvSpPr>
+        <p:spPr>
+          <a:xfrm>
+            <a:off x="7608377" y="4719480"/>
+            <a:ext cx="172122" cy="148420"/>
+          </a:xfrm>
+          <a:prstGeom prst="ellipse">
+            <a:avLst/>
+          </a:prstGeom>
+          <a:solidFill>
+            <a:schemeClr val="tx1"/>
+          </a:solidFill>
+          <a:ln>
+            <a:solidFill>
+              <a:schemeClr val="tx1"/>
+            </a:solidFill>
+          </a:ln>
+        </p:spPr>
+        <p:style>
+          <a:lnRef idx="2">
+            <a:schemeClr val="accent1">
+              <a:shade val="50000"/>
+            </a:schemeClr>
+          </a:lnRef>
+          <a:fillRef idx="1">
+            <a:schemeClr val="accent1"/>
+          </a:fillRef>
+          <a:effectRef idx="0">
+            <a:schemeClr val="accent1"/>
+          </a:effectRef>
+          <a:fontRef idx="minor">
+            <a:schemeClr val="lt1"/>
+          </a:fontRef>
+        </p:style>
+        <p:txBody>
+          <a:bodyPr rtlCol="0" anchor="ctr"/>
+          <a:lstStyle/>
+          <a:p>
+            <a:pPr algn="ctr"/>
+            <a:endParaRPr lang="en-US"/>
+          </a:p>
+        </p:txBody>
+      </p:sp>
+      <p:sp>
+        <p:nvSpPr>
+          <p:cNvPr id="26" name="Oval 25">
+            <a:extLst>
+              <a:ext uri="{FF2B5EF4-FFF2-40B4-BE49-F238E27FC236}">
+                <a16:creationId xmlns:a16="http://schemas.microsoft.com/office/drawing/2014/main" id="{FFC609ED-180B-4749-94B6-61DE87ABF35A}"/>
+              </a:ext>
+            </a:extLst>
+          </p:cNvPr>
+          <p:cNvSpPr/>
+          <p:nvPr/>
+        </p:nvSpPr>
+        <p:spPr>
+          <a:xfrm>
+            <a:off x="3550587" y="4540756"/>
+            <a:ext cx="172122" cy="148420"/>
+          </a:xfrm>
+          <a:prstGeom prst="ellipse">
+            <a:avLst/>
+          </a:prstGeom>
+          <a:solidFill>
+            <a:schemeClr val="tx1"/>
+          </a:solidFill>
+          <a:ln>
+            <a:solidFill>
+              <a:schemeClr val="tx1"/>
+            </a:solidFill>
+          </a:ln>
+        </p:spPr>
+        <p:style>
+          <a:lnRef idx="2">
+            <a:schemeClr val="accent1">
+              <a:shade val="50000"/>
+            </a:schemeClr>
+          </a:lnRef>
+          <a:fillRef idx="1">
+            <a:schemeClr val="accent1"/>
+          </a:fillRef>
+          <a:effectRef idx="0">
+            <a:schemeClr val="accent1"/>
+          </a:effectRef>
+          <a:fontRef idx="minor">
+            <a:schemeClr val="lt1"/>
+          </a:fontRef>
+        </p:style>
+        <p:txBody>
+          <a:bodyPr rtlCol="0" anchor="ctr"/>
+          <a:lstStyle/>
+          <a:p>
+            <a:pPr algn="ctr"/>
+            <a:endParaRPr lang="en-US"/>
+          </a:p>
+        </p:txBody>
+      </p:sp>
+      <p:sp>
+        <p:nvSpPr>
+          <p:cNvPr id="27" name="Oval 26">
+            <a:extLst>
+              <a:ext uri="{FF2B5EF4-FFF2-40B4-BE49-F238E27FC236}">
+                <a16:creationId xmlns:a16="http://schemas.microsoft.com/office/drawing/2014/main" id="{BDFEB2E0-D50F-42F2-83EE-88C6419C9FA2}"/>
+              </a:ext>
+            </a:extLst>
+          </p:cNvPr>
+          <p:cNvSpPr/>
+          <p:nvPr/>
+        </p:nvSpPr>
+        <p:spPr>
+          <a:xfrm>
+            <a:off x="2763259" y="5326063"/>
+            <a:ext cx="172122" cy="148420"/>
+          </a:xfrm>
+          <a:prstGeom prst="ellipse">
+            <a:avLst/>
+          </a:prstGeom>
+          <a:solidFill>
+            <a:schemeClr val="tx1"/>
+          </a:solidFill>
+          <a:ln>
+            <a:solidFill>
+              <a:schemeClr val="tx1"/>
+            </a:solidFill>
+          </a:ln>
+        </p:spPr>
+        <p:style>
+          <a:lnRef idx="2">
+            <a:schemeClr val="accent1">
+              <a:shade val="50000"/>
+            </a:schemeClr>
+          </a:lnRef>
+          <a:fillRef idx="1">
+            <a:schemeClr val="accent1"/>
+          </a:fillRef>
+          <a:effectRef idx="0">
+            <a:schemeClr val="accent1"/>
+          </a:effectRef>
+          <a:fontRef idx="minor">
+            <a:schemeClr val="lt1"/>
+          </a:fontRef>
+        </p:style>
+        <p:txBody>
+          <a:bodyPr rtlCol="0" anchor="ctr"/>
+          <a:lstStyle/>
+          <a:p>
+            <a:pPr algn="ctr"/>
+            <a:endParaRPr lang="en-US"/>
+          </a:p>
+        </p:txBody>
+      </p:sp>
+      <p:sp>
+        <p:nvSpPr>
+          <p:cNvPr id="28" name="TextBox 27">
+            <a:extLst>
+              <a:ext uri="{FF2B5EF4-FFF2-40B4-BE49-F238E27FC236}">
+                <a16:creationId xmlns:a16="http://schemas.microsoft.com/office/drawing/2014/main" id="{8FEF5E8D-5411-4086-9063-52A59A987B71}"/>
+              </a:ext>
+            </a:extLst>
+          </p:cNvPr>
+          <p:cNvSpPr txBox="1"/>
+          <p:nvPr/>
+        </p:nvSpPr>
+        <p:spPr>
+          <a:xfrm>
+            <a:off x="3673894" y="4290404"/>
+            <a:ext cx="469415" cy="369332"/>
+          </a:xfrm>
+          <a:prstGeom prst="rect">
+            <a:avLst/>
+          </a:prstGeom>
+          <a:noFill/>
+        </p:spPr>
+        <p:txBody>
+          <a:bodyPr wrap="square" rtlCol="0">
+            <a:spAutoFit/>
+          </a:bodyPr>
+          <a:lstStyle/>
+          <a:p>
+            <a:r>
+              <a:rPr lang="en-US" b="1" dirty="0"/>
+              <a:t>p1</a:t>
+            </a:r>
+          </a:p>
+        </p:txBody>
+      </p:sp>
+      <p:sp>
+        <p:nvSpPr>
+          <p:cNvPr id="29" name="TextBox 28">
+            <a:extLst>
+              <a:ext uri="{FF2B5EF4-FFF2-40B4-BE49-F238E27FC236}">
+                <a16:creationId xmlns:a16="http://schemas.microsoft.com/office/drawing/2014/main" id="{30DBC43F-0DD3-4EBB-8D4F-45AB4D261D60}"/>
+              </a:ext>
+            </a:extLst>
+          </p:cNvPr>
+          <p:cNvSpPr txBox="1"/>
+          <p:nvPr/>
+        </p:nvSpPr>
+        <p:spPr>
+          <a:xfrm>
+            <a:off x="2866688" y="5252713"/>
+            <a:ext cx="469415" cy="369332"/>
+          </a:xfrm>
+          <a:prstGeom prst="rect">
+            <a:avLst/>
+          </a:prstGeom>
+          <a:noFill/>
+        </p:spPr>
+        <p:txBody>
+          <a:bodyPr wrap="square" rtlCol="0">
+            <a:spAutoFit/>
+          </a:bodyPr>
+          <a:lstStyle/>
+          <a:p>
+            <a:r>
+              <a:rPr lang="en-US" b="1" dirty="0"/>
+              <a:t>p2</a:t>
+            </a:r>
+          </a:p>
+        </p:txBody>
+      </p:sp>
+      <p:cxnSp>
+        <p:nvCxnSpPr>
+          <p:cNvPr id="39" name="Straight Arrow Connector 38">
+            <a:extLst>
+              <a:ext uri="{FF2B5EF4-FFF2-40B4-BE49-F238E27FC236}">
+                <a16:creationId xmlns:a16="http://schemas.microsoft.com/office/drawing/2014/main" id="{01115880-CFFA-463A-A66E-5A400F308473}"/>
+              </a:ext>
+            </a:extLst>
+          </p:cNvPr>
+          <p:cNvCxnSpPr/>
+          <p:nvPr/>
+        </p:nvCxnSpPr>
+        <p:spPr>
+          <a:xfrm flipH="1" flipV="1">
+            <a:off x="3508454" y="4921908"/>
+            <a:ext cx="2059638" cy="1308235"/>
+          </a:xfrm>
+          <a:prstGeom prst="straightConnector1">
+            <a:avLst/>
+          </a:prstGeom>
+          <a:ln w="19050">
+            <a:solidFill>
+              <a:schemeClr val="tx1"/>
+            </a:solidFill>
+            <a:tailEnd type="triangle"/>
+          </a:ln>
+        </p:spPr>
+        <p:style>
+          <a:lnRef idx="1">
+            <a:schemeClr val="accent1"/>
+          </a:lnRef>
+          <a:fillRef idx="0">
+            <a:schemeClr val="accent1"/>
+          </a:fillRef>
+          <a:effectRef idx="0">
+            <a:schemeClr val="accent1"/>
+          </a:effectRef>
+          <a:fontRef idx="minor">
+            <a:schemeClr val="tx1"/>
+          </a:fontRef>
+        </p:style>
+      </p:cxnSp>
+      <p:cxnSp>
+        <p:nvCxnSpPr>
+          <p:cNvPr id="40" name="Straight Arrow Connector 39">
+            <a:extLst>
+              <a:ext uri="{FF2B5EF4-FFF2-40B4-BE49-F238E27FC236}">
+                <a16:creationId xmlns:a16="http://schemas.microsoft.com/office/drawing/2014/main" id="{7FC2ADCF-EF78-4614-8B9F-C20B0B27627E}"/>
+              </a:ext>
+            </a:extLst>
+          </p:cNvPr>
+          <p:cNvCxnSpPr>
+            <a:cxnSpLocks/>
+          </p:cNvCxnSpPr>
+          <p:nvPr/>
+        </p:nvCxnSpPr>
+        <p:spPr>
+          <a:xfrm flipV="1">
+            <a:off x="6515100" y="4892468"/>
+            <a:ext cx="1728508" cy="1293115"/>
+          </a:xfrm>
+          <a:prstGeom prst="straightConnector1">
+            <a:avLst/>
+          </a:prstGeom>
+          <a:ln w="19050">
+            <a:solidFill>
+              <a:schemeClr val="tx1"/>
+            </a:solidFill>
+            <a:tailEnd type="triangle"/>
+          </a:ln>
+        </p:spPr>
+        <p:style>
+          <a:lnRef idx="1">
+            <a:schemeClr val="accent1"/>
+          </a:lnRef>
+          <a:fillRef idx="0">
+            <a:schemeClr val="accent1"/>
+          </a:fillRef>
+          <a:effectRef idx="0">
+            <a:schemeClr val="accent1"/>
+          </a:effectRef>
+          <a:fontRef idx="minor">
+            <a:schemeClr val="tx1"/>
+          </a:fontRef>
+        </p:style>
+      </p:cxnSp>
+      <p:sp>
+        <p:nvSpPr>
+          <p:cNvPr id="43" name="TextBox 42">
+            <a:extLst>
+              <a:ext uri="{FF2B5EF4-FFF2-40B4-BE49-F238E27FC236}">
+                <a16:creationId xmlns:a16="http://schemas.microsoft.com/office/drawing/2014/main" id="{7B2D3647-964E-443F-A050-E68024DB56E5}"/>
+              </a:ext>
+            </a:extLst>
+          </p:cNvPr>
+          <p:cNvSpPr txBox="1"/>
+          <p:nvPr/>
+        </p:nvSpPr>
+        <p:spPr>
+          <a:xfrm>
+            <a:off x="5331999" y="6210151"/>
+            <a:ext cx="1790451" cy="369332"/>
+          </a:xfrm>
+          <a:prstGeom prst="rect">
+            <a:avLst/>
+          </a:prstGeom>
+          <a:noFill/>
+        </p:spPr>
+        <p:txBody>
+          <a:bodyPr wrap="square" rtlCol="0">
+            <a:spAutoFit/>
+          </a:bodyPr>
+          <a:lstStyle/>
+          <a:p>
+            <a:r>
+              <a:rPr lang="en-US" dirty="0"/>
+              <a:t>Same distance</a:t>
+            </a:r>
+          </a:p>
+        </p:txBody>
+      </p:sp>
+    </p:spTree>
+    <p:extLst>
+      <p:ext uri="{BB962C8B-B14F-4D97-AF65-F5344CB8AC3E}">
+        <p14:creationId xmlns:p14="http://schemas.microsoft.com/office/powerpoint/2010/main" val="3335061253"/>
       </p:ext>
     </p:extLst>
   </p:cSld>

--- a/Project/slides/XYZ.pptx
+++ b/Project/slides/XYZ.pptx
@@ -4442,7 +4442,7 @@
               <a:rPr lang="en-US" sz="3200" dirty="0">
                 <a:sym typeface="Wingdings" panose="05000000000000000000" pitchFamily="2" charset="2"/>
               </a:rPr>
-              <a:t>Unordered </a:t>
+              <a:t>Unordered</a:t>
             </a:r>
           </a:p>
           <a:p>
@@ -4899,7 +4899,7 @@
               <a:rPr lang="en-US" sz="3200" dirty="0">
                 <a:sym typeface="Wingdings" panose="05000000000000000000" pitchFamily="2" charset="2"/>
               </a:rPr>
-              <a:t>Unorder: </a:t>
+              <a:t>Unordered: </a:t>
             </a:r>
             <a:r>
               <a:rPr lang="en-US" sz="3200" dirty="0">
